--- a/MÃE.pptx
+++ b/MÃE.pptx
@@ -34,7 +34,7 @@
       </p:grpSpPr>
       <p:sp>
         <p:nvSpPr>
-          <p:cNvPr id="41" name="PlaceHolder 1"/>
+          <p:cNvPr id="37" name="PlaceHolder 1"/>
           <p:cNvSpPr>
             <a:spLocks noGrp="1"/>
           </p:cNvSpPr>
@@ -50,33 +50,34 @@
           <a:prstGeom prst="rect">
             <a:avLst/>
           </a:prstGeom>
+          <a:noFill/>
+          <a:ln w="0">
+            <a:noFill/>
+          </a:ln>
         </p:spPr>
         <p:txBody>
           <a:bodyPr lIns="0" rIns="0" tIns="0" bIns="0" anchor="ctr">
             <a:noAutofit/>
           </a:bodyPr>
           <a:p>
-            <a:r>
-              <a:rPr b="0" lang="pt-BR" sz="1800" spc="-1" strike="noStrike">
-                <a:solidFill>
-                  <a:srgbClr val="000000"/>
-                </a:solidFill>
-                <a:latin typeface="Calibri"/>
+            <a:pPr algn="ctr">
+              <a:buNone/>
+            </a:pPr>
+            <a:r>
+              <a:rPr b="0" lang="pt-BR" sz="4400" spc="-1" strike="noStrike">
+                <a:latin typeface="Arial"/>
               </a:rPr>
               <a:t>Clique para mover o slide</a:t>
             </a:r>
-            <a:endParaRPr b="0" lang="pt-BR" sz="1800" spc="-1" strike="noStrike">
-              <a:solidFill>
-                <a:srgbClr val="000000"/>
-              </a:solidFill>
-              <a:latin typeface="Calibri"/>
-            </a:endParaRPr>
-          </a:p>
-        </p:txBody>
-      </p:sp>
-      <p:sp>
-        <p:nvSpPr>
-          <p:cNvPr id="42" name="PlaceHolder 2"/>
+            <a:endParaRPr b="0" lang="pt-BR" sz="4400" spc="-1" strike="noStrike">
+              <a:latin typeface="Arial"/>
+            </a:endParaRPr>
+          </a:p>
+        </p:txBody>
+      </p:sp>
+      <p:sp>
+        <p:nvSpPr>
+          <p:cNvPr id="38" name="PlaceHolder 2"/>
           <p:cNvSpPr>
             <a:spLocks noGrp="1"/>
           </p:cNvSpPr>
@@ -92,9 +93,13 @@
           <a:prstGeom prst="rect">
             <a:avLst/>
           </a:prstGeom>
-        </p:spPr>
-        <p:txBody>
-          <a:bodyPr lIns="0" rIns="0" tIns="0" bIns="0">
+          <a:noFill/>
+          <a:ln w="0">
+            <a:noFill/>
+          </a:ln>
+        </p:spPr>
+        <p:txBody>
+          <a:bodyPr lIns="0" rIns="0" tIns="0" bIns="0" anchor="t">
             <a:noAutofit/>
           </a:bodyPr>
           <a:p>
@@ -112,7 +117,7 @@
       </p:sp>
       <p:sp>
         <p:nvSpPr>
-          <p:cNvPr id="43" name="PlaceHolder 3"/>
+          <p:cNvPr id="39" name="PlaceHolder 3"/>
           <p:cNvSpPr>
             <a:spLocks noGrp="1"/>
           </p:cNvSpPr>
@@ -128,9 +133,13 @@
           <a:prstGeom prst="rect">
             <a:avLst/>
           </a:prstGeom>
-        </p:spPr>
-        <p:txBody>
-          <a:bodyPr lIns="0" rIns="0" tIns="0" bIns="0">
+          <a:noFill/>
+          <a:ln w="0">
+            <a:noFill/>
+          </a:ln>
+        </p:spPr>
+        <p:txBody>
+          <a:bodyPr lIns="0" rIns="0" tIns="0" bIns="0" anchor="t">
             <a:noAutofit/>
           </a:bodyPr>
           <a:p>
@@ -148,12 +157,12 @@
       </p:sp>
       <p:sp>
         <p:nvSpPr>
-          <p:cNvPr id="44" name="PlaceHolder 4"/>
-          <p:cNvSpPr>
-            <a:spLocks noGrp="1"/>
-          </p:cNvSpPr>
-          <p:nvPr>
-            <p:ph type="dt"/>
+          <p:cNvPr id="40" name="PlaceHolder 4"/>
+          <p:cNvSpPr>
+            <a:spLocks noGrp="1"/>
+          </p:cNvSpPr>
+          <p:nvPr>
+            <p:ph type="dt" idx="1"/>
           </p:nvPr>
         </p:nvSpPr>
         <p:spPr>
@@ -164,13 +173,27 @@
           <a:prstGeom prst="rect">
             <a:avLst/>
           </a:prstGeom>
-        </p:spPr>
-        <p:txBody>
-          <a:bodyPr lIns="0" rIns="0" tIns="0" bIns="0">
+          <a:noFill/>
+          <a:ln w="0">
+            <a:noFill/>
+          </a:ln>
+        </p:spPr>
+        <p:txBody>
+          <a:bodyPr lIns="0" rIns="0" tIns="0" bIns="0" anchor="t">
             <a:noAutofit/>
           </a:bodyPr>
-          <a:p>
-            <a:pPr algn="r"/>
+          <a:lstStyle>
+            <a:lvl1pPr algn="r">
+              <a:buNone/>
+              <a:defRPr b="0" lang="pt-BR" sz="1400" spc="-1" strike="noStrike">
+                <a:latin typeface="Times New Roman"/>
+              </a:defRPr>
+            </a:lvl1pPr>
+          </a:lstStyle>
+          <a:p>
+            <a:pPr algn="r">
+              <a:buNone/>
+            </a:pPr>
             <a:r>
               <a:rPr b="0" lang="pt-BR" sz="1400" spc="-1" strike="noStrike">
                 <a:latin typeface="Times New Roman"/>
@@ -185,12 +208,12 @@
       </p:sp>
       <p:sp>
         <p:nvSpPr>
-          <p:cNvPr id="45" name="PlaceHolder 5"/>
-          <p:cNvSpPr>
-            <a:spLocks noGrp="1"/>
-          </p:cNvSpPr>
-          <p:nvPr>
-            <p:ph type="ftr"/>
+          <p:cNvPr id="41" name="PlaceHolder 5"/>
+          <p:cNvSpPr>
+            <a:spLocks noGrp="1"/>
+          </p:cNvSpPr>
+          <p:nvPr>
+            <p:ph type="ftr" idx="2"/>
           </p:nvPr>
         </p:nvSpPr>
         <p:spPr>
@@ -201,11 +224,22 @@
           <a:prstGeom prst="rect">
             <a:avLst/>
           </a:prstGeom>
+          <a:noFill/>
+          <a:ln w="0">
+            <a:noFill/>
+          </a:ln>
         </p:spPr>
         <p:txBody>
           <a:bodyPr lIns="0" rIns="0" tIns="0" bIns="0" anchor="b">
             <a:noAutofit/>
           </a:bodyPr>
+          <a:lstStyle>
+            <a:lvl1pPr>
+              <a:defRPr b="0" lang="pt-BR" sz="1400" spc="-1" strike="noStrike">
+                <a:latin typeface="Times New Roman"/>
+              </a:defRPr>
+            </a:lvl1pPr>
+          </a:lstStyle>
           <a:p>
             <a:r>
               <a:rPr b="0" lang="pt-BR" sz="1400" spc="-1" strike="noStrike">
@@ -221,12 +255,12 @@
       </p:sp>
       <p:sp>
         <p:nvSpPr>
-          <p:cNvPr id="46" name="PlaceHolder 6"/>
-          <p:cNvSpPr>
-            <a:spLocks noGrp="1"/>
-          </p:cNvSpPr>
-          <p:nvPr>
-            <p:ph type="sldNum"/>
+          <p:cNvPr id="42" name="PlaceHolder 6"/>
+          <p:cNvSpPr>
+            <a:spLocks noGrp="1"/>
+          </p:cNvSpPr>
+          <p:nvPr>
+            <p:ph type="sldNum" idx="3"/>
           </p:nvPr>
         </p:nvSpPr>
         <p:spPr>
@@ -237,14 +271,28 @@
           <a:prstGeom prst="rect">
             <a:avLst/>
           </a:prstGeom>
+          <a:noFill/>
+          <a:ln w="0">
+            <a:noFill/>
+          </a:ln>
         </p:spPr>
         <p:txBody>
           <a:bodyPr lIns="0" rIns="0" tIns="0" bIns="0" anchor="b">
             <a:noAutofit/>
           </a:bodyPr>
-          <a:p>
-            <a:pPr algn="r"/>
-            <a:fld id="{F6237B2E-FD1A-44F7-A17A-46B0014001B2}" type="slidenum">
+          <a:lstStyle>
+            <a:lvl1pPr algn="r">
+              <a:buNone/>
+              <a:defRPr b="0" lang="pt-BR" sz="1400" spc="-1" strike="noStrike">
+                <a:latin typeface="Times New Roman"/>
+              </a:defRPr>
+            </a:lvl1pPr>
+          </a:lstStyle>
+          <a:p>
+            <a:pPr algn="r">
+              <a:buNone/>
+            </a:pPr>
+            <a:fld id="{970493D4-857D-4331-AB42-E9B0FB3167D0}" type="slidenum">
               <a:rPr b="0" lang="pt-BR" sz="1400" spc="-1" strike="noStrike">
                 <a:latin typeface="Times New Roman"/>
               </a:rPr>
@@ -281,7 +329,7 @@
       </p:grpSpPr>
       <p:sp>
         <p:nvSpPr>
-          <p:cNvPr id="48" name="PlaceHolder 1"/>
+          <p:cNvPr id="44" name="PlaceHolder 1"/>
           <p:cNvSpPr>
             <a:spLocks noGrp="1"/>
           </p:cNvSpPr>
@@ -292,16 +340,19 @@
         <p:spPr>
           <a:xfrm>
             <a:off x="1143000" y="685800"/>
-            <a:ext cx="4571640" cy="3428640"/>
-          </a:xfrm>
-          <a:prstGeom prst="rect">
-            <a:avLst/>
-          </a:prstGeom>
-        </p:spPr>
-      </p:sp>
-      <p:sp>
-        <p:nvSpPr>
-          <p:cNvPr id="49" name="PlaceHolder 2"/>
+            <a:ext cx="4571280" cy="3428280"/>
+          </a:xfrm>
+          <a:prstGeom prst="rect">
+            <a:avLst/>
+          </a:prstGeom>
+          <a:ln w="0">
+            <a:noFill/>
+          </a:ln>
+        </p:spPr>
+      </p:sp>
+      <p:sp>
+        <p:nvSpPr>
+          <p:cNvPr id="45" name="PlaceHolder 2"/>
           <p:cNvSpPr>
             <a:spLocks noGrp="1"/>
           </p:cNvSpPr>
@@ -312,21 +363,29 @@
         <p:spPr>
           <a:xfrm>
             <a:off x="685800" y="4343400"/>
-            <a:ext cx="5486040" cy="4114440"/>
-          </a:xfrm>
-          <a:prstGeom prst="rect">
-            <a:avLst/>
-          </a:prstGeom>
-        </p:spPr>
-        <p:txBody>
-          <a:bodyPr>
-            <a:normAutofit fontScale="85000"/>
+            <a:ext cx="5485680" cy="4114080"/>
+          </a:xfrm>
+          <a:prstGeom prst="rect">
+            <a:avLst/>
+          </a:prstGeom>
+          <a:noFill/>
+          <a:ln w="0">
+            <a:noFill/>
+          </a:ln>
+        </p:spPr>
+        <p:txBody>
+          <a:bodyPr lIns="0" rIns="0" tIns="0" bIns="0" anchor="t">
+            <a:normAutofit fontScale="94000"/>
           </a:bodyPr>
           <a:p>
             <a:pPr marL="216000" indent="-216000">
               <a:lnSpc>
                 <a:spcPct val="100000"/>
               </a:lnSpc>
+              <a:buNone/>
+              <a:tabLst>
+                <a:tab algn="l" pos="0"/>
+              </a:tabLst>
             </a:pPr>
             <a:r>
               <a:rPr b="0" lang="pt-BR" sz="1200" spc="-1" strike="noStrike">
@@ -344,21 +403,9 @@
                 </a:solidFill>
                 <a:latin typeface="Arial"/>
               </a:rPr>
-              <a:t>A                     E                 F#m                E  </a:t>
-            </a:r>
-            <a:r>
-              <a:rPr b="0" lang="pt-BR" sz="1200" spc="-1" strike="noStrike">
-                <a:solidFill>
-                  <a:srgbClr val="000000"/>
-                </a:solidFill>
-                <a:latin typeface="Arial"/>
-              </a:rPr>
-              <a:t>               D</a:t>
+              <a:t>A                     E                 F#m                E                 D</a:t>
             </a:r>
             <a:endParaRPr b="0" lang="pt-BR" sz="1200" spc="-1" strike="noStrike">
-              <a:solidFill>
-                <a:srgbClr val="000000"/>
-              </a:solidFill>
               <a:latin typeface="Arial"/>
             </a:endParaRPr>
           </a:p>
@@ -367,29 +414,21 @@
               <a:lnSpc>
                 <a:spcPct val="100000"/>
               </a:lnSpc>
-            </a:pPr>
-            <a:r>
-              <a:rPr b="0" lang="pt-BR" sz="1200" spc="-1" strike="noStrike">
-                <a:solidFill>
-                  <a:srgbClr val="000000"/>
-                </a:solidFill>
-                <a:latin typeface="Arial"/>
-              </a:rPr>
-              <a:t>Mãe, hoje descobri que eu cresci, é que </a:t>
-            </a:r>
-            <a:r>
-              <a:rPr b="0" lang="pt-BR" sz="1200" spc="-1" strike="noStrike">
-                <a:solidFill>
-                  <a:srgbClr val="000000"/>
-                </a:solidFill>
-                <a:latin typeface="Arial"/>
-              </a:rPr>
-              <a:t>de repente eu me vi, Tão </a:t>
+              <a:buNone/>
+              <a:tabLst>
+                <a:tab algn="l" pos="0"/>
+              </a:tabLst>
+            </a:pPr>
+            <a:r>
+              <a:rPr b="0" lang="pt-BR" sz="1200" spc="-1" strike="noStrike">
+                <a:solidFill>
+                  <a:srgbClr val="000000"/>
+                </a:solidFill>
+                <a:latin typeface="Arial"/>
+              </a:rPr>
+              <a:t>Mãe, hoje descobri que eu cresci, é que de repente eu me vi, Tão </a:t>
             </a:r>
             <a:endParaRPr b="0" lang="pt-BR" sz="1200" spc="-1" strike="noStrike">
-              <a:solidFill>
-                <a:srgbClr val="000000"/>
-              </a:solidFill>
               <a:latin typeface="Arial"/>
             </a:endParaRPr>
           </a:p>
@@ -398,6 +437,10 @@
               <a:lnSpc>
                 <a:spcPct val="100000"/>
               </a:lnSpc>
+              <a:buNone/>
+              <a:tabLst>
+                <a:tab algn="l" pos="0"/>
+              </a:tabLst>
             </a:pPr>
             <a:r>
               <a:rPr b="0" lang="pt-BR" sz="1200" spc="-1" strike="noStrike">
@@ -415,21 +458,9 @@
                 </a:solidFill>
                 <a:latin typeface="Arial"/>
               </a:rPr>
-              <a:t>A            Bm F# Bm                              E   </a:t>
-            </a:r>
-            <a:r>
-              <a:rPr b="0" lang="pt-BR" sz="1200" spc="-1" strike="noStrike">
-                <a:solidFill>
-                  <a:srgbClr val="000000"/>
-                </a:solidFill>
-                <a:latin typeface="Arial"/>
-              </a:rPr>
-              <a:t>                 D</a:t>
+              <a:t>A            Bm F# Bm                              E                    D</a:t>
             </a:r>
             <a:endParaRPr b="0" lang="pt-BR" sz="1200" spc="-1" strike="noStrike">
-              <a:solidFill>
-                <a:srgbClr val="000000"/>
-              </a:solidFill>
               <a:latin typeface="Arial"/>
             </a:endParaRPr>
           </a:p>
@@ -438,29 +469,21 @@
               <a:lnSpc>
                 <a:spcPct val="100000"/>
               </a:lnSpc>
-            </a:pPr>
-            <a:r>
-              <a:rPr b="0" lang="pt-BR" sz="1200" spc="-1" strike="noStrike">
-                <a:solidFill>
-                  <a:srgbClr val="000000"/>
-                </a:solidFill>
-                <a:latin typeface="Arial"/>
-              </a:rPr>
-              <a:t>sozinho na estrada. Mãe, hoje precisei </a:t>
-            </a:r>
-            <a:r>
-              <a:rPr b="0" lang="pt-BR" sz="1200" spc="-1" strike="noStrike">
-                <a:solidFill>
-                  <a:srgbClr val="000000"/>
-                </a:solidFill>
-                <a:latin typeface="Arial"/>
-              </a:rPr>
-              <a:t>de você, e não sabia o que </a:t>
+              <a:buNone/>
+              <a:tabLst>
+                <a:tab algn="l" pos="0"/>
+              </a:tabLst>
+            </a:pPr>
+            <a:r>
+              <a:rPr b="0" lang="pt-BR" sz="1200" spc="-1" strike="noStrike">
+                <a:solidFill>
+                  <a:srgbClr val="000000"/>
+                </a:solidFill>
+                <a:latin typeface="Arial"/>
+              </a:rPr>
+              <a:t>sozinho na estrada. Mãe, hoje precisei de você, e não sabia o que </a:t>
             </a:r>
             <a:endParaRPr b="0" lang="pt-BR" sz="1200" spc="-1" strike="noStrike">
-              <a:solidFill>
-                <a:srgbClr val="000000"/>
-              </a:solidFill>
               <a:latin typeface="Arial"/>
             </a:endParaRPr>
           </a:p>
@@ -469,6 +492,10 @@
               <a:lnSpc>
                 <a:spcPct val="100000"/>
               </a:lnSpc>
+              <a:buNone/>
+              <a:tabLst>
+                <a:tab algn="l" pos="0"/>
+              </a:tabLst>
             </a:pPr>
             <a:r>
               <a:rPr b="0" lang="pt-BR" sz="1200" spc="-1" strike="noStrike">
@@ -486,21 +513,9 @@
                 </a:solidFill>
                 <a:latin typeface="Arial"/>
               </a:rPr>
-              <a:t>E                         A    E  A                     E   </a:t>
-            </a:r>
-            <a:r>
-              <a:rPr b="0" lang="pt-BR" sz="1200" spc="-1" strike="noStrike">
-                <a:solidFill>
-                  <a:srgbClr val="000000"/>
-                </a:solidFill>
-                <a:latin typeface="Arial"/>
-              </a:rPr>
-              <a:t>      F#m</a:t>
+              <a:t>E                         A    E  A                     E         F#m</a:t>
             </a:r>
             <a:endParaRPr b="0" lang="pt-BR" sz="1200" spc="-1" strike="noStrike">
-              <a:solidFill>
-                <a:srgbClr val="000000"/>
-              </a:solidFill>
               <a:latin typeface="Arial"/>
             </a:endParaRPr>
           </a:p>
@@ -509,29 +524,21 @@
               <a:lnSpc>
                 <a:spcPct val="100000"/>
               </a:lnSpc>
-            </a:pPr>
-            <a:r>
-              <a:rPr b="0" lang="pt-BR" sz="1200" spc="-1" strike="noStrike">
-                <a:solidFill>
-                  <a:srgbClr val="000000"/>
-                </a:solidFill>
-                <a:latin typeface="Arial"/>
-              </a:rPr>
-              <a:t>fazer Me vi de mãos atadas Mãe o que é </a:t>
-            </a:r>
-            <a:r>
-              <a:rPr b="0" lang="pt-BR" sz="1200" spc="-1" strike="noStrike">
-                <a:solidFill>
-                  <a:srgbClr val="000000"/>
-                </a:solidFill>
-                <a:latin typeface="Arial"/>
-              </a:rPr>
-              <a:t>que a gente faz, quando </a:t>
+              <a:buNone/>
+              <a:tabLst>
+                <a:tab algn="l" pos="0"/>
+              </a:tabLst>
+            </a:pPr>
+            <a:r>
+              <a:rPr b="0" lang="pt-BR" sz="1200" spc="-1" strike="noStrike">
+                <a:solidFill>
+                  <a:srgbClr val="000000"/>
+                </a:solidFill>
+                <a:latin typeface="Arial"/>
+              </a:rPr>
+              <a:t>fazer Me vi de mãos atadas Mãe o que é que a gente faz, quando </a:t>
             </a:r>
             <a:endParaRPr b="0" lang="pt-BR" sz="1200" spc="-1" strike="noStrike">
-              <a:solidFill>
-                <a:srgbClr val="000000"/>
-              </a:solidFill>
               <a:latin typeface="Arial"/>
             </a:endParaRPr>
           </a:p>
@@ -540,6 +547,10 @@
               <a:lnSpc>
                 <a:spcPct val="100000"/>
               </a:lnSpc>
+              <a:buNone/>
+              <a:tabLst>
+                <a:tab algn="l" pos="0"/>
+              </a:tabLst>
             </a:pPr>
             <a:r>
               <a:rPr b="0" lang="pt-BR" sz="1200" spc="-1" strike="noStrike">
@@ -560,9 +571,6 @@
               <a:t>Em                    A            D</a:t>
             </a:r>
             <a:endParaRPr b="0" lang="pt-BR" sz="1200" spc="-1" strike="noStrike">
-              <a:solidFill>
-                <a:srgbClr val="000000"/>
-              </a:solidFill>
               <a:latin typeface="Arial"/>
             </a:endParaRPr>
           </a:p>
@@ -571,29 +579,21 @@
               <a:lnSpc>
                 <a:spcPct val="100000"/>
               </a:lnSpc>
-            </a:pPr>
-            <a:r>
-              <a:rPr b="0" lang="pt-BR" sz="1200" spc="-1" strike="noStrike">
-                <a:solidFill>
-                  <a:srgbClr val="000000"/>
-                </a:solidFill>
-                <a:latin typeface="Arial"/>
-              </a:rPr>
-              <a:t>o sucesso não traz A paz que a gente </a:t>
-            </a:r>
-            <a:r>
-              <a:rPr b="0" lang="pt-BR" sz="1200" spc="-1" strike="noStrike">
-                <a:solidFill>
-                  <a:srgbClr val="000000"/>
-                </a:solidFill>
-                <a:latin typeface="Arial"/>
-              </a:rPr>
-              <a:t>procura Mãe, hoje aqui sozinho</a:t>
+              <a:buNone/>
+              <a:tabLst>
+                <a:tab algn="l" pos="0"/>
+              </a:tabLst>
+            </a:pPr>
+            <a:r>
+              <a:rPr b="0" lang="pt-BR" sz="1200" spc="-1" strike="noStrike">
+                <a:solidFill>
+                  <a:srgbClr val="000000"/>
+                </a:solidFill>
+                <a:latin typeface="Arial"/>
+              </a:rPr>
+              <a:t>o sucesso não traz A paz que a gente procura Mãe, hoje aqui sozinho</a:t>
             </a:r>
             <a:endParaRPr b="0" lang="pt-BR" sz="1200" spc="-1" strike="noStrike">
-              <a:solidFill>
-                <a:srgbClr val="000000"/>
-              </a:solidFill>
               <a:latin typeface="Arial"/>
             </a:endParaRPr>
           </a:p>
@@ -602,6 +602,10 @@
               <a:lnSpc>
                 <a:spcPct val="100000"/>
               </a:lnSpc>
+              <a:buNone/>
+              <a:tabLst>
+                <a:tab algn="l" pos="0"/>
+              </a:tabLst>
             </a:pPr>
             <a:r>
               <a:rPr b="0" lang="pt-BR" sz="1200" spc="-1" strike="noStrike">
@@ -619,21 +623,9 @@
                 </a:solidFill>
                 <a:latin typeface="Arial"/>
               </a:rPr>
-              <a:t>A                                             B             </a:t>
-            </a:r>
-            <a:r>
-              <a:rPr b="0" lang="pt-BR" sz="1200" spc="-1" strike="noStrike">
-                <a:solidFill>
-                  <a:srgbClr val="000000"/>
-                </a:solidFill>
-                <a:latin typeface="Arial"/>
-              </a:rPr>
-              <a:t>      E          A   E</a:t>
+              <a:t>A                                             B                   E          A   E</a:t>
             </a:r>
             <a:endParaRPr b="0" lang="pt-BR" sz="1200" spc="-1" strike="noStrike">
-              <a:solidFill>
-                <a:srgbClr val="000000"/>
-              </a:solidFill>
               <a:latin typeface="Arial"/>
             </a:endParaRPr>
           </a:p>
@@ -642,6 +634,10 @@
               <a:lnSpc>
                 <a:spcPct val="100000"/>
               </a:lnSpc>
+              <a:buNone/>
+              <a:tabLst>
+                <a:tab algn="l" pos="0"/>
+              </a:tabLst>
             </a:pPr>
             <a:r>
               <a:rPr b="0" lang="pt-BR" sz="1200" spc="-1" strike="noStrike">
@@ -659,21 +655,9 @@
                 </a:solidFill>
                 <a:latin typeface="Arial"/>
               </a:rPr>
-              <a:t>eu rezei, aqui no meu cantinho eu chorei </a:t>
-            </a:r>
-            <a:r>
-              <a:rPr b="0" lang="pt-BR" sz="1200" spc="-1" strike="noStrike">
-                <a:solidFill>
-                  <a:srgbClr val="000000"/>
-                </a:solidFill>
-                <a:latin typeface="Arial"/>
-              </a:rPr>
-              <a:t>E chorando fiz uma jura </a:t>
+              <a:t>eu rezei, aqui no meu cantinho eu chorei E chorando fiz uma jura </a:t>
             </a:r>
             <a:endParaRPr b="0" lang="pt-BR" sz="1200" spc="-1" strike="noStrike">
-              <a:solidFill>
-                <a:srgbClr val="000000"/>
-              </a:solidFill>
               <a:latin typeface="Arial"/>
             </a:endParaRPr>
           </a:p>
@@ -682,6 +666,10 @@
               <a:lnSpc>
                 <a:spcPct val="100000"/>
               </a:lnSpc>
+              <a:buNone/>
+              <a:tabLst>
+                <a:tab algn="l" pos="0"/>
+              </a:tabLst>
             </a:pPr>
             <a:r>
               <a:rPr b="0" lang="pt-BR" sz="1200" spc="-1" strike="noStrike">
@@ -699,21 +687,9 @@
                 </a:solidFill>
                 <a:latin typeface="Arial"/>
               </a:rPr>
-              <a:t>A                     E                              F#m        </a:t>
-            </a:r>
-            <a:r>
-              <a:rPr b="0" lang="pt-BR" sz="1200" spc="-1" strike="noStrike">
-                <a:solidFill>
-                  <a:srgbClr val="000000"/>
-                </a:solidFill>
-                <a:latin typeface="Arial"/>
-              </a:rPr>
-              <a:t>                 E</a:t>
+              <a:t>A                     E                              F#m                         E</a:t>
             </a:r>
             <a:endParaRPr b="0" lang="pt-BR" sz="1200" spc="-1" strike="noStrike">
-              <a:solidFill>
-                <a:srgbClr val="000000"/>
-              </a:solidFill>
               <a:latin typeface="Arial"/>
             </a:endParaRPr>
           </a:p>
@@ -722,29 +698,21 @@
               <a:lnSpc>
                 <a:spcPct val="100000"/>
               </a:lnSpc>
-            </a:pPr>
-            <a:r>
-              <a:rPr b="0" lang="pt-BR" sz="1200" spc="-1" strike="noStrike">
-                <a:solidFill>
-                  <a:srgbClr val="000000"/>
-                </a:solidFill>
-                <a:latin typeface="Arial"/>
-              </a:rPr>
-              <a:t>juro a partir de hoje eu vou fazer meu </a:t>
-            </a:r>
-            <a:r>
-              <a:rPr b="0" lang="pt-BR" sz="1200" spc="-1" strike="noStrike">
-                <a:solidFill>
-                  <a:srgbClr val="000000"/>
-                </a:solidFill>
-                <a:latin typeface="Arial"/>
-              </a:rPr>
-              <a:t>tempo Vou ficar mais perto do </a:t>
+              <a:buNone/>
+              <a:tabLst>
+                <a:tab algn="l" pos="0"/>
+              </a:tabLst>
+            </a:pPr>
+            <a:r>
+              <a:rPr b="0" lang="pt-BR" sz="1200" spc="-1" strike="noStrike">
+                <a:solidFill>
+                  <a:srgbClr val="000000"/>
+                </a:solidFill>
+                <a:latin typeface="Arial"/>
+              </a:rPr>
+              <a:t>juro a partir de hoje eu vou fazer meu tempo Vou ficar mais perto do </a:t>
             </a:r>
             <a:endParaRPr b="0" lang="pt-BR" sz="1200" spc="-1" strike="noStrike">
-              <a:solidFill>
-                <a:srgbClr val="000000"/>
-              </a:solidFill>
               <a:latin typeface="Arial"/>
             </a:endParaRPr>
           </a:p>
@@ -753,6 +721,10 @@
               <a:lnSpc>
                 <a:spcPct val="100000"/>
               </a:lnSpc>
+              <a:buNone/>
+              <a:tabLst>
+                <a:tab algn="l" pos="0"/>
+              </a:tabLst>
             </a:pPr>
             <a:r>
               <a:rPr b="0" lang="pt-BR" sz="1200" spc="-1" strike="noStrike">
@@ -770,21 +742,9 @@
                 </a:solidFill>
                 <a:latin typeface="Arial"/>
               </a:rPr>
-              <a:t>D                           A                        </a:t>
-            </a:r>
-            <a:r>
-              <a:rPr b="0" lang="pt-BR" sz="1200" spc="-1" strike="noStrike">
-                <a:solidFill>
-                  <a:srgbClr val="000000"/>
-                </a:solidFill>
-                <a:latin typeface="Arial"/>
-              </a:rPr>
-              <a:t> Bm F# Bm</a:t>
+              <a:t>D                           A                         Bm F# Bm</a:t>
             </a:r>
             <a:endParaRPr b="0" lang="pt-BR" sz="1200" spc="-1" strike="noStrike">
-              <a:solidFill>
-                <a:srgbClr val="000000"/>
-              </a:solidFill>
               <a:latin typeface="Arial"/>
             </a:endParaRPr>
           </a:p>
@@ -793,29 +753,21 @@
               <a:lnSpc>
                 <a:spcPct val="100000"/>
               </a:lnSpc>
-            </a:pPr>
-            <a:r>
-              <a:rPr b="0" lang="pt-BR" sz="1200" spc="-1" strike="noStrike">
-                <a:solidFill>
-                  <a:srgbClr val="000000"/>
-                </a:solidFill>
-                <a:latin typeface="Arial"/>
-              </a:rPr>
-              <a:t>meu sentimento Vou ficar mais perto, </a:t>
-            </a:r>
-            <a:r>
-              <a:rPr b="0" lang="pt-BR" sz="1200" spc="-1" strike="noStrike">
-                <a:solidFill>
-                  <a:srgbClr val="000000"/>
-                </a:solidFill>
-                <a:latin typeface="Arial"/>
-              </a:rPr>
-              <a:t>Mãe do seu amor Juro não deixar </a:t>
+              <a:buNone/>
+              <a:tabLst>
+                <a:tab algn="l" pos="0"/>
+              </a:tabLst>
+            </a:pPr>
+            <a:r>
+              <a:rPr b="0" lang="pt-BR" sz="1200" spc="-1" strike="noStrike">
+                <a:solidFill>
+                  <a:srgbClr val="000000"/>
+                </a:solidFill>
+                <a:latin typeface="Arial"/>
+              </a:rPr>
+              <a:t>meu sentimento Vou ficar mais perto, Mãe do seu amor Juro não deixar </a:t>
             </a:r>
             <a:endParaRPr b="0" lang="pt-BR" sz="1200" spc="-1" strike="noStrike">
-              <a:solidFill>
-                <a:srgbClr val="000000"/>
-              </a:solidFill>
               <a:latin typeface="Arial"/>
             </a:endParaRPr>
           </a:p>
@@ -824,6 +776,10 @@
               <a:lnSpc>
                 <a:spcPct val="100000"/>
               </a:lnSpc>
+              <a:buNone/>
+              <a:tabLst>
+                <a:tab algn="l" pos="0"/>
+              </a:tabLst>
             </a:pPr>
             <a:r>
               <a:rPr b="0" lang="pt-BR" sz="1200" spc="-1" strike="noStrike">
@@ -841,21 +797,9 @@
                 </a:solidFill>
                 <a:latin typeface="Arial"/>
               </a:rPr>
-              <a:t>E                           D             </a:t>
-            </a:r>
-            <a:r>
-              <a:rPr b="0" lang="pt-BR" sz="1200" spc="-1" strike="noStrike">
-                <a:solidFill>
-                  <a:srgbClr val="000000"/>
-                </a:solidFill>
-                <a:latin typeface="Arial"/>
-              </a:rPr>
-              <a:t>              E</a:t>
+              <a:t>E                           D                           E</a:t>
             </a:r>
             <a:endParaRPr b="0" lang="pt-BR" sz="1200" spc="-1" strike="noStrike">
-              <a:solidFill>
-                <a:srgbClr val="000000"/>
-              </a:solidFill>
               <a:latin typeface="Arial"/>
             </a:endParaRPr>
           </a:p>
@@ -864,29 +808,21 @@
               <a:lnSpc>
                 <a:spcPct val="100000"/>
               </a:lnSpc>
-            </a:pPr>
-            <a:r>
-              <a:rPr b="0" lang="pt-BR" sz="1200" spc="-1" strike="noStrike">
-                <a:solidFill>
-                  <a:srgbClr val="000000"/>
-                </a:solidFill>
-                <a:latin typeface="Arial"/>
-              </a:rPr>
-              <a:t>jamais a minha ambição Falar tão mais </a:t>
-            </a:r>
-            <a:r>
-              <a:rPr b="0" lang="pt-BR" sz="1200" spc="-1" strike="noStrike">
-                <a:solidFill>
-                  <a:srgbClr val="000000"/>
-                </a:solidFill>
-                <a:latin typeface="Arial"/>
-              </a:rPr>
-              <a:t>alto que o meu coração se minha</a:t>
+              <a:buNone/>
+              <a:tabLst>
+                <a:tab algn="l" pos="0"/>
+              </a:tabLst>
+            </a:pPr>
+            <a:r>
+              <a:rPr b="0" lang="pt-BR" sz="1200" spc="-1" strike="noStrike">
+                <a:solidFill>
+                  <a:srgbClr val="000000"/>
+                </a:solidFill>
+                <a:latin typeface="Arial"/>
+              </a:rPr>
+              <a:t>jamais a minha ambição Falar tão mais alto que o meu coração se minha</a:t>
             </a:r>
             <a:endParaRPr b="0" lang="pt-BR" sz="1200" spc="-1" strike="noStrike">
-              <a:solidFill>
-                <a:srgbClr val="000000"/>
-              </a:solidFill>
               <a:latin typeface="Arial"/>
             </a:endParaRPr>
           </a:p>
@@ -895,6 +831,10 @@
               <a:lnSpc>
                 <a:spcPct val="100000"/>
               </a:lnSpc>
+              <a:buNone/>
+              <a:tabLst>
+                <a:tab algn="l" pos="0"/>
+              </a:tabLst>
             </a:pPr>
             <a:r>
               <a:rPr b="0" lang="pt-BR" sz="1200" spc="-1" strike="noStrike">
@@ -912,21 +852,9 @@
                 </a:solidFill>
                 <a:latin typeface="Arial"/>
               </a:rPr>
-              <a:t>D                          A E  A                           </a:t>
-            </a:r>
-            <a:r>
-              <a:rPr b="0" lang="pt-BR" sz="1200" spc="-1" strike="noStrike">
-                <a:solidFill>
-                  <a:srgbClr val="000000"/>
-                </a:solidFill>
-                <a:latin typeface="Arial"/>
-              </a:rPr>
-              <a:t>    E                </a:t>
+              <a:t>D                          A E  A                               E                </a:t>
             </a:r>
             <a:endParaRPr b="0" lang="pt-BR" sz="1200" spc="-1" strike="noStrike">
-              <a:solidFill>
-                <a:srgbClr val="000000"/>
-              </a:solidFill>
               <a:latin typeface="Arial"/>
             </a:endParaRPr>
           </a:p>
@@ -935,6 +863,10 @@
               <a:lnSpc>
                 <a:spcPct val="100000"/>
               </a:lnSpc>
+              <a:buNone/>
+              <a:tabLst>
+                <a:tab algn="l" pos="0"/>
+              </a:tabLst>
             </a:pPr>
             <a:r>
               <a:rPr b="0" lang="pt-BR" sz="1200" spc="-1" strike="noStrike">
@@ -952,21 +884,9 @@
                 </a:solidFill>
                 <a:latin typeface="Arial"/>
               </a:rPr>
-              <a:t>riqueza mãe é o seu amor MÃE ME DA </a:t>
-            </a:r>
-            <a:r>
-              <a:rPr b="0" lang="pt-BR" sz="1200" spc="-1" strike="noStrike">
-                <a:solidFill>
-                  <a:srgbClr val="000000"/>
-                </a:solidFill>
-                <a:latin typeface="Arial"/>
-              </a:rPr>
-              <a:t>SEU COLO MÃE, MULHER QUE </a:t>
+              <a:t>riqueza mãe é o seu amor MÃE ME DA SEU COLO MÃE, MULHER QUE </a:t>
             </a:r>
             <a:endParaRPr b="0" lang="pt-BR" sz="1200" spc="-1" strike="noStrike">
-              <a:solidFill>
-                <a:srgbClr val="000000"/>
-              </a:solidFill>
               <a:latin typeface="Arial"/>
             </a:endParaRPr>
           </a:p>
@@ -975,6 +895,10 @@
               <a:lnSpc>
                 <a:spcPct val="100000"/>
               </a:lnSpc>
+              <a:buNone/>
+              <a:tabLst>
+                <a:tab algn="l" pos="0"/>
+              </a:tabLst>
             </a:pPr>
             <a:r>
               <a:rPr b="0" lang="pt-BR" sz="1200" spc="-1" strike="noStrike">
@@ -992,21 +916,9 @@
                 </a:solidFill>
                 <a:latin typeface="Arial"/>
               </a:rPr>
-              <a:t>Bm                               E                     </a:t>
-            </a:r>
-            <a:r>
-              <a:rPr b="0" lang="pt-BR" sz="1200" spc="-1" strike="noStrike">
-                <a:solidFill>
-                  <a:srgbClr val="000000"/>
-                </a:solidFill>
-                <a:latin typeface="Arial"/>
-              </a:rPr>
-              <a:t>     A</a:t>
+              <a:t>Bm                               E                          A</a:t>
             </a:r>
             <a:endParaRPr b="0" lang="pt-BR" sz="1200" spc="-1" strike="noStrike">
-              <a:solidFill>
-                <a:srgbClr val="000000"/>
-              </a:solidFill>
               <a:latin typeface="Arial"/>
             </a:endParaRPr>
           </a:p>
@@ -1015,38 +927,21 @@
               <a:lnSpc>
                 <a:spcPct val="100000"/>
               </a:lnSpc>
-            </a:pPr>
-            <a:r>
-              <a:rPr b="0" lang="pt-BR" sz="1200" spc="-1" strike="noStrike">
-                <a:solidFill>
-                  <a:srgbClr val="000000"/>
-                </a:solidFill>
-                <a:latin typeface="Arial"/>
-              </a:rPr>
-              <a:t>ADORO MAE SE EXISTO DEVO A TI </a:t>
-            </a:r>
-            <a:r>
-              <a:rPr b="0" lang="pt-BR" sz="1200" spc="-1" strike="noStrike">
-                <a:solidFill>
-                  <a:srgbClr val="000000"/>
-                </a:solidFill>
-                <a:latin typeface="Arial"/>
-              </a:rPr>
-              <a:t>MEU RESPIRAR MAE TÃO PURO </a:t>
-            </a:r>
-            <a:r>
-              <a:rPr b="0" lang="pt-BR" sz="1200" spc="-1" strike="noStrike">
-                <a:solidFill>
-                  <a:srgbClr val="000000"/>
-                </a:solidFill>
-                <a:latin typeface="Arial"/>
-              </a:rPr>
-              <a:t>AMOR </a:t>
+              <a:buNone/>
+              <a:tabLst>
+                <a:tab algn="l" pos="0"/>
+              </a:tabLst>
+            </a:pPr>
+            <a:r>
+              <a:rPr b="0" lang="pt-BR" sz="1200" spc="-1" strike="noStrike">
+                <a:solidFill>
+                  <a:srgbClr val="000000"/>
+                </a:solidFill>
+                <a:latin typeface="Arial"/>
+              </a:rPr>
+              <a:t>ADORO MAE SE EXISTO DEVO A TI MEU RESPIRAR MAE TÃO PURO AMOR </a:t>
             </a:r>
             <a:endParaRPr b="0" lang="pt-BR" sz="1200" spc="-1" strike="noStrike">
-              <a:solidFill>
-                <a:srgbClr val="000000"/>
-              </a:solidFill>
               <a:latin typeface="Arial"/>
             </a:endParaRPr>
           </a:p>
@@ -1055,6 +950,10 @@
               <a:lnSpc>
                 <a:spcPct val="100000"/>
               </a:lnSpc>
+              <a:buNone/>
+              <a:tabLst>
+                <a:tab algn="l" pos="0"/>
+              </a:tabLst>
             </a:pPr>
             <a:r>
               <a:rPr b="0" lang="pt-BR" sz="1200" spc="-1" strike="noStrike">
@@ -1072,21 +971,9 @@
                 </a:solidFill>
                 <a:latin typeface="Arial"/>
               </a:rPr>
-              <a:t>E                                      Bm                   </a:t>
-            </a:r>
-            <a:r>
-              <a:rPr b="0" lang="pt-BR" sz="1200" spc="-1" strike="noStrike">
-                <a:solidFill>
-                  <a:srgbClr val="000000"/>
-                </a:solidFill>
-                <a:latin typeface="Arial"/>
-              </a:rPr>
-              <a:t>                    E     D</a:t>
+              <a:t>E                                      Bm                                       E     D</a:t>
             </a:r>
             <a:endParaRPr b="0" lang="pt-BR" sz="1200" spc="-1" strike="noStrike">
-              <a:solidFill>
-                <a:srgbClr val="000000"/>
-              </a:solidFill>
               <a:latin typeface="Arial"/>
             </a:endParaRPr>
           </a:p>
@@ -1095,38 +982,21 @@
               <a:lnSpc>
                 <a:spcPct val="100000"/>
               </a:lnSpc>
-            </a:pPr>
-            <a:r>
-              <a:rPr b="0" lang="pt-BR" sz="1200" spc="-1" strike="noStrike">
-                <a:solidFill>
-                  <a:srgbClr val="000000"/>
-                </a:solidFill>
-                <a:latin typeface="Arial"/>
-              </a:rPr>
-              <a:t>DE MÃE QUE AS VEZES NÃO ME VEM </a:t>
-            </a:r>
-            <a:r>
-              <a:rPr b="0" lang="pt-BR" sz="1200" spc="-1" strike="noStrike">
-                <a:solidFill>
-                  <a:srgbClr val="000000"/>
-                </a:solidFill>
-                <a:latin typeface="Arial"/>
-              </a:rPr>
-              <a:t>PALAVRAS PARA EXPRESSAR </a:t>
-            </a:r>
-            <a:r>
-              <a:rPr b="0" lang="pt-BR" sz="1200" spc="-1" strike="noStrike">
-                <a:solidFill>
-                  <a:srgbClr val="000000"/>
-                </a:solidFill>
-                <a:latin typeface="Arial"/>
-              </a:rPr>
-              <a:t>MAE </a:t>
+              <a:buNone/>
+              <a:tabLst>
+                <a:tab algn="l" pos="0"/>
+              </a:tabLst>
+            </a:pPr>
+            <a:r>
+              <a:rPr b="0" lang="pt-BR" sz="1200" spc="-1" strike="noStrike">
+                <a:solidFill>
+                  <a:srgbClr val="000000"/>
+                </a:solidFill>
+                <a:latin typeface="Arial"/>
+              </a:rPr>
+              <a:t>DE MÃE QUE AS VEZES NÃO ME VEM PALAVRAS PARA EXPRESSAR MAE </a:t>
             </a:r>
             <a:endParaRPr b="0" lang="pt-BR" sz="1200" spc="-1" strike="noStrike">
-              <a:solidFill>
-                <a:srgbClr val="000000"/>
-              </a:solidFill>
               <a:latin typeface="Arial"/>
             </a:endParaRPr>
           </a:p>
@@ -1135,6 +1005,10 @@
               <a:lnSpc>
                 <a:spcPct val="100000"/>
               </a:lnSpc>
+              <a:buNone/>
+              <a:tabLst>
+                <a:tab algn="l" pos="0"/>
+              </a:tabLst>
             </a:pPr>
             <a:r>
               <a:rPr b="0" lang="pt-BR" sz="1200" spc="-1" strike="noStrike">
@@ -1155,9 +1029,6 @@
               <a:t>E                        A</a:t>
             </a:r>
             <a:endParaRPr b="0" lang="pt-BR" sz="1200" spc="-1" strike="noStrike">
-              <a:solidFill>
-                <a:srgbClr val="000000"/>
-              </a:solidFill>
               <a:latin typeface="Arial"/>
             </a:endParaRPr>
           </a:p>
@@ -1166,6 +1037,10 @@
               <a:lnSpc>
                 <a:spcPct val="100000"/>
               </a:lnSpc>
+              <a:buNone/>
+              <a:tabLst>
+                <a:tab algn="l" pos="0"/>
+              </a:tabLst>
             </a:pPr>
             <a:r>
               <a:rPr b="0" lang="pt-BR" sz="1200" spc="-1" strike="noStrike">
@@ -1177,9 +1052,6 @@
               <a:t>PRA TI CONJUGO O VERBO AMAR</a:t>
             </a:r>
             <a:endParaRPr b="0" lang="pt-BR" sz="1200" spc="-1" strike="noStrike">
-              <a:solidFill>
-                <a:srgbClr val="000000"/>
-              </a:solidFill>
               <a:latin typeface="Arial"/>
             </a:endParaRPr>
           </a:p>
@@ -1188,37 +1060,44 @@
               <a:lnSpc>
                 <a:spcPct val="100000"/>
               </a:lnSpc>
+              <a:buNone/>
+              <a:tabLst>
+                <a:tab algn="l" pos="0"/>
+              </a:tabLst>
             </a:pPr>
             <a:endParaRPr b="0" lang="pt-BR" sz="1200" spc="-1" strike="noStrike">
-              <a:solidFill>
-                <a:srgbClr val="000000"/>
-              </a:solidFill>
-              <a:latin typeface="Arial"/>
-            </a:endParaRPr>
-          </a:p>
-        </p:txBody>
-      </p:sp>
-      <p:sp>
-        <p:nvSpPr>
-          <p:cNvPr id="50" name="TextShape 3"/>
-          <p:cNvSpPr txBox="1"/>
+              <a:latin typeface="Arial"/>
+            </a:endParaRPr>
+          </a:p>
+        </p:txBody>
+      </p:sp>
+      <p:sp>
+        <p:nvSpPr>
+          <p:cNvPr id="46" name="TextShape 3"/>
+          <p:cNvSpPr/>
           <p:nvPr/>
         </p:nvSpPr>
         <p:spPr>
           <a:xfrm>
             <a:off x="3884760" y="8685360"/>
-            <a:ext cx="2971440" cy="456840"/>
-          </a:xfrm>
-          <a:prstGeom prst="rect">
-            <a:avLst/>
-          </a:prstGeom>
-          <a:noFill/>
-          <a:ln>
-            <a:noFill/>
-          </a:ln>
-        </p:spPr>
-        <p:txBody>
-          <a:bodyPr anchor="b">
+            <a:ext cx="2971080" cy="456480"/>
+          </a:xfrm>
+          <a:prstGeom prst="rect">
+            <a:avLst/>
+          </a:prstGeom>
+          <a:noFill/>
+          <a:ln w="0">
+            <a:noFill/>
+          </a:ln>
+        </p:spPr>
+        <p:style>
+          <a:lnRef idx="0"/>
+          <a:fillRef idx="0"/>
+          <a:effectRef idx="0"/>
+          <a:fontRef idx="minor"/>
+        </p:style>
+        <p:txBody>
+          <a:bodyPr lIns="90000" rIns="90000" tIns="45000" bIns="45000" anchor="b">
             <a:noAutofit/>
           </a:bodyPr>
           <a:p>
@@ -1226,8 +1105,9 @@
               <a:lnSpc>
                 <a:spcPct val="100000"/>
               </a:lnSpc>
-            </a:pPr>
-            <a:fld id="{BF15686B-89B7-4101-9575-0CF4D14D327C}" type="slidenum">
+              <a:buNone/>
+            </a:pPr>
+            <a:fld id="{BCB4044A-5181-410F-9F1E-FD08B82917F0}" type="slidenum">
               <a:rPr b="0" lang="pt-BR" sz="1200" spc="-1" strike="noStrike">
                 <a:solidFill>
                   <a:srgbClr val="000000"/>
@@ -1235,10 +1115,10 @@
                 <a:latin typeface="+mn-lt"/>
                 <a:ea typeface="+mn-ea"/>
               </a:rPr>
-              <a:t>&lt;número&gt;</a:t>
+              <a:t>1</a:t>
             </a:fld>
             <a:endParaRPr b="0" lang="pt-BR" sz="1200" spc="-1" strike="noStrike">
-              <a:latin typeface="Times New Roman"/>
+              <a:latin typeface="Arial"/>
             </a:endParaRPr>
           </a:p>
         </p:txBody>
@@ -1289,7 +1169,7 @@
       </p:grpSpPr>
       <p:sp>
         <p:nvSpPr>
-          <p:cNvPr id="26" name="PlaceHolder 1"/>
+          <p:cNvPr id="22" name="PlaceHolder 1"/>
           <p:cNvSpPr>
             <a:spLocks noGrp="1"/>
           </p:cNvSpPr>
@@ -1300,34 +1180,38 @@
         <p:spPr>
           <a:xfrm>
             <a:off x="685800" y="2130480"/>
-            <a:ext cx="7772040" cy="1469520"/>
-          </a:xfrm>
-          <a:prstGeom prst="rect">
-            <a:avLst/>
-          </a:prstGeom>
+            <a:ext cx="7771680" cy="1469160"/>
+          </a:xfrm>
+          <a:prstGeom prst="rect">
+            <a:avLst/>
+          </a:prstGeom>
+          <a:noFill/>
+          <a:ln w="0">
+            <a:noFill/>
+          </a:ln>
         </p:spPr>
         <p:txBody>
           <a:bodyPr lIns="0" rIns="0" tIns="0" bIns="0" anchor="ctr">
             <a:noAutofit/>
           </a:bodyPr>
           <a:p>
-            <a:endParaRPr b="0" lang="pt-BR" sz="1800" spc="-1" strike="noStrike">
-              <a:solidFill>
-                <a:srgbClr val="000000"/>
-              </a:solidFill>
-              <a:latin typeface="Calibri"/>
-            </a:endParaRPr>
-          </a:p>
-        </p:txBody>
-      </p:sp>
-      <p:sp>
-        <p:nvSpPr>
-          <p:cNvPr id="27" name="PlaceHolder 2"/>
-          <p:cNvSpPr>
-            <a:spLocks noGrp="1"/>
-          </p:cNvSpPr>
-          <p:nvPr>
-            <p:ph type="body"/>
+            <a:pPr algn="ctr">
+              <a:buNone/>
+            </a:pPr>
+            <a:endParaRPr b="0" lang="pt-BR" sz="4400" spc="-1" strike="noStrike">
+              <a:latin typeface="Arial"/>
+            </a:endParaRPr>
+          </a:p>
+        </p:txBody>
+      </p:sp>
+      <p:sp>
+        <p:nvSpPr>
+          <p:cNvPr id="23" name="PlaceHolder 2"/>
+          <p:cNvSpPr>
+            <a:spLocks noGrp="1"/>
+          </p:cNvSpPr>
+          <p:nvPr>
+            <p:ph/>
           </p:nvPr>
         </p:nvSpPr>
         <p:spPr>
@@ -1338,29 +1222,30 @@
           <a:prstGeom prst="rect">
             <a:avLst/>
           </a:prstGeom>
-        </p:spPr>
-        <p:txBody>
-          <a:bodyPr lIns="0" rIns="0" tIns="0" bIns="0">
+          <a:noFill/>
+          <a:ln w="0">
+            <a:noFill/>
+          </a:ln>
+        </p:spPr>
+        <p:txBody>
+          <a:bodyPr lIns="0" rIns="0" tIns="0" bIns="0" anchor="t">
             <a:normAutofit/>
           </a:bodyPr>
           <a:p>
             <a:endParaRPr b="0" lang="pt-BR" sz="3200" spc="-1" strike="noStrike">
-              <a:solidFill>
-                <a:srgbClr val="000000"/>
-              </a:solidFill>
-              <a:latin typeface="Calibri"/>
-            </a:endParaRPr>
-          </a:p>
-        </p:txBody>
-      </p:sp>
-      <p:sp>
-        <p:nvSpPr>
-          <p:cNvPr id="28" name="PlaceHolder 3"/>
-          <p:cNvSpPr>
-            <a:spLocks noGrp="1"/>
-          </p:cNvSpPr>
-          <p:nvPr>
-            <p:ph type="body"/>
+              <a:latin typeface="Arial"/>
+            </a:endParaRPr>
+          </a:p>
+        </p:txBody>
+      </p:sp>
+      <p:sp>
+        <p:nvSpPr>
+          <p:cNvPr id="24" name="PlaceHolder 3"/>
+          <p:cNvSpPr>
+            <a:spLocks noGrp="1"/>
+          </p:cNvSpPr>
+          <p:nvPr>
+            <p:ph/>
           </p:nvPr>
         </p:nvSpPr>
         <p:spPr>
@@ -1371,17 +1256,18 @@
           <a:prstGeom prst="rect">
             <a:avLst/>
           </a:prstGeom>
-        </p:spPr>
-        <p:txBody>
-          <a:bodyPr lIns="0" rIns="0" tIns="0" bIns="0">
+          <a:noFill/>
+          <a:ln w="0">
+            <a:noFill/>
+          </a:ln>
+        </p:spPr>
+        <p:txBody>
+          <a:bodyPr lIns="0" rIns="0" tIns="0" bIns="0" anchor="t">
             <a:normAutofit/>
           </a:bodyPr>
           <a:p>
             <a:endParaRPr b="0" lang="pt-BR" sz="3200" spc="-1" strike="noStrike">
-              <a:solidFill>
-                <a:srgbClr val="000000"/>
-              </a:solidFill>
-              <a:latin typeface="Calibri"/>
+              <a:latin typeface="Arial"/>
             </a:endParaRPr>
           </a:p>
         </p:txBody>
@@ -1410,7 +1296,7 @@
       </p:grpSpPr>
       <p:sp>
         <p:nvSpPr>
-          <p:cNvPr id="29" name="PlaceHolder 1"/>
+          <p:cNvPr id="25" name="PlaceHolder 1"/>
           <p:cNvSpPr>
             <a:spLocks noGrp="1"/>
           </p:cNvSpPr>
@@ -1421,34 +1307,38 @@
         <p:spPr>
           <a:xfrm>
             <a:off x="685800" y="2130480"/>
-            <a:ext cx="7772040" cy="1469520"/>
-          </a:xfrm>
-          <a:prstGeom prst="rect">
-            <a:avLst/>
-          </a:prstGeom>
+            <a:ext cx="7771680" cy="1469160"/>
+          </a:xfrm>
+          <a:prstGeom prst="rect">
+            <a:avLst/>
+          </a:prstGeom>
+          <a:noFill/>
+          <a:ln w="0">
+            <a:noFill/>
+          </a:ln>
         </p:spPr>
         <p:txBody>
           <a:bodyPr lIns="0" rIns="0" tIns="0" bIns="0" anchor="ctr">
             <a:noAutofit/>
           </a:bodyPr>
           <a:p>
-            <a:endParaRPr b="0" lang="pt-BR" sz="1800" spc="-1" strike="noStrike">
-              <a:solidFill>
-                <a:srgbClr val="000000"/>
-              </a:solidFill>
-              <a:latin typeface="Calibri"/>
-            </a:endParaRPr>
-          </a:p>
-        </p:txBody>
-      </p:sp>
-      <p:sp>
-        <p:nvSpPr>
-          <p:cNvPr id="30" name="PlaceHolder 2"/>
-          <p:cNvSpPr>
-            <a:spLocks noGrp="1"/>
-          </p:cNvSpPr>
-          <p:nvPr>
-            <p:ph type="body"/>
+            <a:pPr algn="ctr">
+              <a:buNone/>
+            </a:pPr>
+            <a:endParaRPr b="0" lang="pt-BR" sz="4400" spc="-1" strike="noStrike">
+              <a:latin typeface="Arial"/>
+            </a:endParaRPr>
+          </a:p>
+        </p:txBody>
+      </p:sp>
+      <p:sp>
+        <p:nvSpPr>
+          <p:cNvPr id="26" name="PlaceHolder 2"/>
+          <p:cNvSpPr>
+            <a:spLocks noGrp="1"/>
+          </p:cNvSpPr>
+          <p:nvPr>
+            <p:ph/>
           </p:nvPr>
         </p:nvSpPr>
         <p:spPr>
@@ -1459,29 +1349,30 @@
           <a:prstGeom prst="rect">
             <a:avLst/>
           </a:prstGeom>
-        </p:spPr>
-        <p:txBody>
-          <a:bodyPr lIns="0" rIns="0" tIns="0" bIns="0">
+          <a:noFill/>
+          <a:ln w="0">
+            <a:noFill/>
+          </a:ln>
+        </p:spPr>
+        <p:txBody>
+          <a:bodyPr lIns="0" rIns="0" tIns="0" bIns="0" anchor="t">
             <a:normAutofit/>
           </a:bodyPr>
           <a:p>
             <a:endParaRPr b="0" lang="pt-BR" sz="3200" spc="-1" strike="noStrike">
-              <a:solidFill>
-                <a:srgbClr val="000000"/>
-              </a:solidFill>
-              <a:latin typeface="Calibri"/>
-            </a:endParaRPr>
-          </a:p>
-        </p:txBody>
-      </p:sp>
-      <p:sp>
-        <p:nvSpPr>
-          <p:cNvPr id="31" name="PlaceHolder 3"/>
-          <p:cNvSpPr>
-            <a:spLocks noGrp="1"/>
-          </p:cNvSpPr>
-          <p:nvPr>
-            <p:ph type="body"/>
+              <a:latin typeface="Arial"/>
+            </a:endParaRPr>
+          </a:p>
+        </p:txBody>
+      </p:sp>
+      <p:sp>
+        <p:nvSpPr>
+          <p:cNvPr id="27" name="PlaceHolder 3"/>
+          <p:cNvSpPr>
+            <a:spLocks noGrp="1"/>
+          </p:cNvSpPr>
+          <p:nvPr>
+            <p:ph/>
           </p:nvPr>
         </p:nvSpPr>
         <p:spPr>
@@ -1492,29 +1383,30 @@
           <a:prstGeom prst="rect">
             <a:avLst/>
           </a:prstGeom>
-        </p:spPr>
-        <p:txBody>
-          <a:bodyPr lIns="0" rIns="0" tIns="0" bIns="0">
+          <a:noFill/>
+          <a:ln w="0">
+            <a:noFill/>
+          </a:ln>
+        </p:spPr>
+        <p:txBody>
+          <a:bodyPr lIns="0" rIns="0" tIns="0" bIns="0" anchor="t">
             <a:normAutofit/>
           </a:bodyPr>
           <a:p>
             <a:endParaRPr b="0" lang="pt-BR" sz="3200" spc="-1" strike="noStrike">
-              <a:solidFill>
-                <a:srgbClr val="000000"/>
-              </a:solidFill>
-              <a:latin typeface="Calibri"/>
-            </a:endParaRPr>
-          </a:p>
-        </p:txBody>
-      </p:sp>
-      <p:sp>
-        <p:nvSpPr>
-          <p:cNvPr id="32" name="PlaceHolder 4"/>
-          <p:cNvSpPr>
-            <a:spLocks noGrp="1"/>
-          </p:cNvSpPr>
-          <p:nvPr>
-            <p:ph type="body"/>
+              <a:latin typeface="Arial"/>
+            </a:endParaRPr>
+          </a:p>
+        </p:txBody>
+      </p:sp>
+      <p:sp>
+        <p:nvSpPr>
+          <p:cNvPr id="28" name="PlaceHolder 4"/>
+          <p:cNvSpPr>
+            <a:spLocks noGrp="1"/>
+          </p:cNvSpPr>
+          <p:nvPr>
+            <p:ph/>
           </p:nvPr>
         </p:nvSpPr>
         <p:spPr>
@@ -1525,29 +1417,30 @@
           <a:prstGeom prst="rect">
             <a:avLst/>
           </a:prstGeom>
-        </p:spPr>
-        <p:txBody>
-          <a:bodyPr lIns="0" rIns="0" tIns="0" bIns="0">
+          <a:noFill/>
+          <a:ln w="0">
+            <a:noFill/>
+          </a:ln>
+        </p:spPr>
+        <p:txBody>
+          <a:bodyPr lIns="0" rIns="0" tIns="0" bIns="0" anchor="t">
             <a:normAutofit/>
           </a:bodyPr>
           <a:p>
             <a:endParaRPr b="0" lang="pt-BR" sz="3200" spc="-1" strike="noStrike">
-              <a:solidFill>
-                <a:srgbClr val="000000"/>
-              </a:solidFill>
-              <a:latin typeface="Calibri"/>
-            </a:endParaRPr>
-          </a:p>
-        </p:txBody>
-      </p:sp>
-      <p:sp>
-        <p:nvSpPr>
-          <p:cNvPr id="33" name="PlaceHolder 5"/>
-          <p:cNvSpPr>
-            <a:spLocks noGrp="1"/>
-          </p:cNvSpPr>
-          <p:nvPr>
-            <p:ph type="body"/>
+              <a:latin typeface="Arial"/>
+            </a:endParaRPr>
+          </a:p>
+        </p:txBody>
+      </p:sp>
+      <p:sp>
+        <p:nvSpPr>
+          <p:cNvPr id="29" name="PlaceHolder 5"/>
+          <p:cNvSpPr>
+            <a:spLocks noGrp="1"/>
+          </p:cNvSpPr>
+          <p:nvPr>
+            <p:ph/>
           </p:nvPr>
         </p:nvSpPr>
         <p:spPr>
@@ -1558,17 +1451,18 @@
           <a:prstGeom prst="rect">
             <a:avLst/>
           </a:prstGeom>
-        </p:spPr>
-        <p:txBody>
-          <a:bodyPr lIns="0" rIns="0" tIns="0" bIns="0">
+          <a:noFill/>
+          <a:ln w="0">
+            <a:noFill/>
+          </a:ln>
+        </p:spPr>
+        <p:txBody>
+          <a:bodyPr lIns="0" rIns="0" tIns="0" bIns="0" anchor="t">
             <a:normAutofit/>
           </a:bodyPr>
           <a:p>
             <a:endParaRPr b="0" lang="pt-BR" sz="3200" spc="-1" strike="noStrike">
-              <a:solidFill>
-                <a:srgbClr val="000000"/>
-              </a:solidFill>
-              <a:latin typeface="Calibri"/>
+              <a:latin typeface="Arial"/>
             </a:endParaRPr>
           </a:p>
         </p:txBody>
@@ -1597,7 +1491,7 @@
       </p:grpSpPr>
       <p:sp>
         <p:nvSpPr>
-          <p:cNvPr id="34" name="PlaceHolder 1"/>
+          <p:cNvPr id="30" name="PlaceHolder 1"/>
           <p:cNvSpPr>
             <a:spLocks noGrp="1"/>
           </p:cNvSpPr>
@@ -1608,34 +1502,38 @@
         <p:spPr>
           <a:xfrm>
             <a:off x="685800" y="2130480"/>
-            <a:ext cx="7772040" cy="1469520"/>
-          </a:xfrm>
-          <a:prstGeom prst="rect">
-            <a:avLst/>
-          </a:prstGeom>
+            <a:ext cx="7771680" cy="1469160"/>
+          </a:xfrm>
+          <a:prstGeom prst="rect">
+            <a:avLst/>
+          </a:prstGeom>
+          <a:noFill/>
+          <a:ln w="0">
+            <a:noFill/>
+          </a:ln>
         </p:spPr>
         <p:txBody>
           <a:bodyPr lIns="0" rIns="0" tIns="0" bIns="0" anchor="ctr">
             <a:noAutofit/>
           </a:bodyPr>
           <a:p>
-            <a:endParaRPr b="0" lang="pt-BR" sz="1800" spc="-1" strike="noStrike">
-              <a:solidFill>
-                <a:srgbClr val="000000"/>
-              </a:solidFill>
-              <a:latin typeface="Calibri"/>
-            </a:endParaRPr>
-          </a:p>
-        </p:txBody>
-      </p:sp>
-      <p:sp>
-        <p:nvSpPr>
-          <p:cNvPr id="35" name="PlaceHolder 2"/>
-          <p:cNvSpPr>
-            <a:spLocks noGrp="1"/>
-          </p:cNvSpPr>
-          <p:nvPr>
-            <p:ph type="body"/>
+            <a:pPr algn="ctr">
+              <a:buNone/>
+            </a:pPr>
+            <a:endParaRPr b="0" lang="pt-BR" sz="4400" spc="-1" strike="noStrike">
+              <a:latin typeface="Arial"/>
+            </a:endParaRPr>
+          </a:p>
+        </p:txBody>
+      </p:sp>
+      <p:sp>
+        <p:nvSpPr>
+          <p:cNvPr id="31" name="PlaceHolder 2"/>
+          <p:cNvSpPr>
+            <a:spLocks noGrp="1"/>
+          </p:cNvSpPr>
+          <p:nvPr>
+            <p:ph/>
           </p:nvPr>
         </p:nvSpPr>
         <p:spPr>
@@ -1646,29 +1544,30 @@
           <a:prstGeom prst="rect">
             <a:avLst/>
           </a:prstGeom>
-        </p:spPr>
-        <p:txBody>
-          <a:bodyPr lIns="0" rIns="0" tIns="0" bIns="0">
+          <a:noFill/>
+          <a:ln w="0">
+            <a:noFill/>
+          </a:ln>
+        </p:spPr>
+        <p:txBody>
+          <a:bodyPr lIns="0" rIns="0" tIns="0" bIns="0" anchor="t">
             <a:normAutofit/>
           </a:bodyPr>
           <a:p>
             <a:endParaRPr b="0" lang="pt-BR" sz="3200" spc="-1" strike="noStrike">
-              <a:solidFill>
-                <a:srgbClr val="000000"/>
-              </a:solidFill>
-              <a:latin typeface="Calibri"/>
-            </a:endParaRPr>
-          </a:p>
-        </p:txBody>
-      </p:sp>
-      <p:sp>
-        <p:nvSpPr>
-          <p:cNvPr id="36" name="PlaceHolder 3"/>
-          <p:cNvSpPr>
-            <a:spLocks noGrp="1"/>
-          </p:cNvSpPr>
-          <p:nvPr>
-            <p:ph type="body"/>
+              <a:latin typeface="Arial"/>
+            </a:endParaRPr>
+          </a:p>
+        </p:txBody>
+      </p:sp>
+      <p:sp>
+        <p:nvSpPr>
+          <p:cNvPr id="32" name="PlaceHolder 3"/>
+          <p:cNvSpPr>
+            <a:spLocks noGrp="1"/>
+          </p:cNvSpPr>
+          <p:nvPr>
+            <p:ph/>
           </p:nvPr>
         </p:nvSpPr>
         <p:spPr>
@@ -1679,29 +1578,30 @@
           <a:prstGeom prst="rect">
             <a:avLst/>
           </a:prstGeom>
-        </p:spPr>
-        <p:txBody>
-          <a:bodyPr lIns="0" rIns="0" tIns="0" bIns="0">
+          <a:noFill/>
+          <a:ln w="0">
+            <a:noFill/>
+          </a:ln>
+        </p:spPr>
+        <p:txBody>
+          <a:bodyPr lIns="0" rIns="0" tIns="0" bIns="0" anchor="t">
             <a:normAutofit/>
           </a:bodyPr>
           <a:p>
             <a:endParaRPr b="0" lang="pt-BR" sz="3200" spc="-1" strike="noStrike">
-              <a:solidFill>
-                <a:srgbClr val="000000"/>
-              </a:solidFill>
-              <a:latin typeface="Calibri"/>
-            </a:endParaRPr>
-          </a:p>
-        </p:txBody>
-      </p:sp>
-      <p:sp>
-        <p:nvSpPr>
-          <p:cNvPr id="37" name="PlaceHolder 4"/>
-          <p:cNvSpPr>
-            <a:spLocks noGrp="1"/>
-          </p:cNvSpPr>
-          <p:nvPr>
-            <p:ph type="body"/>
+              <a:latin typeface="Arial"/>
+            </a:endParaRPr>
+          </a:p>
+        </p:txBody>
+      </p:sp>
+      <p:sp>
+        <p:nvSpPr>
+          <p:cNvPr id="33" name="PlaceHolder 4"/>
+          <p:cNvSpPr>
+            <a:spLocks noGrp="1"/>
+          </p:cNvSpPr>
+          <p:nvPr>
+            <p:ph/>
           </p:nvPr>
         </p:nvSpPr>
         <p:spPr>
@@ -1712,29 +1612,30 @@
           <a:prstGeom prst="rect">
             <a:avLst/>
           </a:prstGeom>
-        </p:spPr>
-        <p:txBody>
-          <a:bodyPr lIns="0" rIns="0" tIns="0" bIns="0">
+          <a:noFill/>
+          <a:ln w="0">
+            <a:noFill/>
+          </a:ln>
+        </p:spPr>
+        <p:txBody>
+          <a:bodyPr lIns="0" rIns="0" tIns="0" bIns="0" anchor="t">
             <a:normAutofit/>
           </a:bodyPr>
           <a:p>
             <a:endParaRPr b="0" lang="pt-BR" sz="3200" spc="-1" strike="noStrike">
-              <a:solidFill>
-                <a:srgbClr val="000000"/>
-              </a:solidFill>
-              <a:latin typeface="Calibri"/>
-            </a:endParaRPr>
-          </a:p>
-        </p:txBody>
-      </p:sp>
-      <p:sp>
-        <p:nvSpPr>
-          <p:cNvPr id="38" name="PlaceHolder 5"/>
-          <p:cNvSpPr>
-            <a:spLocks noGrp="1"/>
-          </p:cNvSpPr>
-          <p:nvPr>
-            <p:ph type="body"/>
+              <a:latin typeface="Arial"/>
+            </a:endParaRPr>
+          </a:p>
+        </p:txBody>
+      </p:sp>
+      <p:sp>
+        <p:nvSpPr>
+          <p:cNvPr id="34" name="PlaceHolder 5"/>
+          <p:cNvSpPr>
+            <a:spLocks noGrp="1"/>
+          </p:cNvSpPr>
+          <p:nvPr>
+            <p:ph/>
           </p:nvPr>
         </p:nvSpPr>
         <p:spPr>
@@ -1745,29 +1646,30 @@
           <a:prstGeom prst="rect">
             <a:avLst/>
           </a:prstGeom>
-        </p:spPr>
-        <p:txBody>
-          <a:bodyPr lIns="0" rIns="0" tIns="0" bIns="0">
+          <a:noFill/>
+          <a:ln w="0">
+            <a:noFill/>
+          </a:ln>
+        </p:spPr>
+        <p:txBody>
+          <a:bodyPr lIns="0" rIns="0" tIns="0" bIns="0" anchor="t">
             <a:normAutofit/>
           </a:bodyPr>
           <a:p>
             <a:endParaRPr b="0" lang="pt-BR" sz="3200" spc="-1" strike="noStrike">
-              <a:solidFill>
-                <a:srgbClr val="000000"/>
-              </a:solidFill>
-              <a:latin typeface="Calibri"/>
-            </a:endParaRPr>
-          </a:p>
-        </p:txBody>
-      </p:sp>
-      <p:sp>
-        <p:nvSpPr>
-          <p:cNvPr id="39" name="PlaceHolder 6"/>
-          <p:cNvSpPr>
-            <a:spLocks noGrp="1"/>
-          </p:cNvSpPr>
-          <p:nvPr>
-            <p:ph type="body"/>
+              <a:latin typeface="Arial"/>
+            </a:endParaRPr>
+          </a:p>
+        </p:txBody>
+      </p:sp>
+      <p:sp>
+        <p:nvSpPr>
+          <p:cNvPr id="35" name="PlaceHolder 6"/>
+          <p:cNvSpPr>
+            <a:spLocks noGrp="1"/>
+          </p:cNvSpPr>
+          <p:nvPr>
+            <p:ph/>
           </p:nvPr>
         </p:nvSpPr>
         <p:spPr>
@@ -1778,29 +1680,30 @@
           <a:prstGeom prst="rect">
             <a:avLst/>
           </a:prstGeom>
-        </p:spPr>
-        <p:txBody>
-          <a:bodyPr lIns="0" rIns="0" tIns="0" bIns="0">
+          <a:noFill/>
+          <a:ln w="0">
+            <a:noFill/>
+          </a:ln>
+        </p:spPr>
+        <p:txBody>
+          <a:bodyPr lIns="0" rIns="0" tIns="0" bIns="0" anchor="t">
             <a:normAutofit/>
           </a:bodyPr>
           <a:p>
             <a:endParaRPr b="0" lang="pt-BR" sz="3200" spc="-1" strike="noStrike">
-              <a:solidFill>
-                <a:srgbClr val="000000"/>
-              </a:solidFill>
-              <a:latin typeface="Calibri"/>
-            </a:endParaRPr>
-          </a:p>
-        </p:txBody>
-      </p:sp>
-      <p:sp>
-        <p:nvSpPr>
-          <p:cNvPr id="40" name="PlaceHolder 7"/>
-          <p:cNvSpPr>
-            <a:spLocks noGrp="1"/>
-          </p:cNvSpPr>
-          <p:nvPr>
-            <p:ph type="body"/>
+              <a:latin typeface="Arial"/>
+            </a:endParaRPr>
+          </a:p>
+        </p:txBody>
+      </p:sp>
+      <p:sp>
+        <p:nvSpPr>
+          <p:cNvPr id="36" name="PlaceHolder 7"/>
+          <p:cNvSpPr>
+            <a:spLocks noGrp="1"/>
+          </p:cNvSpPr>
+          <p:nvPr>
+            <p:ph/>
           </p:nvPr>
         </p:nvSpPr>
         <p:spPr>
@@ -1811,17 +1714,18 @@
           <a:prstGeom prst="rect">
             <a:avLst/>
           </a:prstGeom>
-        </p:spPr>
-        <p:txBody>
-          <a:bodyPr lIns="0" rIns="0" tIns="0" bIns="0">
+          <a:noFill/>
+          <a:ln w="0">
+            <a:noFill/>
+          </a:ln>
+        </p:spPr>
+        <p:txBody>
+          <a:bodyPr lIns="0" rIns="0" tIns="0" bIns="0" anchor="t">
             <a:normAutofit/>
           </a:bodyPr>
           <a:p>
             <a:endParaRPr b="0" lang="pt-BR" sz="3200" spc="-1" strike="noStrike">
-              <a:solidFill>
-                <a:srgbClr val="000000"/>
-              </a:solidFill>
-              <a:latin typeface="Calibri"/>
+              <a:latin typeface="Arial"/>
             </a:endParaRPr>
           </a:p>
         </p:txBody>
@@ -1850,7 +1754,7 @@
       </p:grpSpPr>
       <p:sp>
         <p:nvSpPr>
-          <p:cNvPr id="5" name="PlaceHolder 1"/>
+          <p:cNvPr id="1" name="PlaceHolder 1"/>
           <p:cNvSpPr>
             <a:spLocks noGrp="1"/>
           </p:cNvSpPr>
@@ -1861,29 +1765,33 @@
         <p:spPr>
           <a:xfrm>
             <a:off x="685800" y="2130480"/>
-            <a:ext cx="7772040" cy="1469520"/>
-          </a:xfrm>
-          <a:prstGeom prst="rect">
-            <a:avLst/>
-          </a:prstGeom>
+            <a:ext cx="7771680" cy="1469160"/>
+          </a:xfrm>
+          <a:prstGeom prst="rect">
+            <a:avLst/>
+          </a:prstGeom>
+          <a:noFill/>
+          <a:ln w="0">
+            <a:noFill/>
+          </a:ln>
         </p:spPr>
         <p:txBody>
           <a:bodyPr lIns="0" rIns="0" tIns="0" bIns="0" anchor="ctr">
             <a:noAutofit/>
           </a:bodyPr>
           <a:p>
-            <a:endParaRPr b="0" lang="pt-BR" sz="1800" spc="-1" strike="noStrike">
-              <a:solidFill>
-                <a:srgbClr val="000000"/>
-              </a:solidFill>
-              <a:latin typeface="Calibri"/>
-            </a:endParaRPr>
-          </a:p>
-        </p:txBody>
-      </p:sp>
-      <p:sp>
-        <p:nvSpPr>
-          <p:cNvPr id="6" name="PlaceHolder 2"/>
+            <a:pPr algn="ctr">
+              <a:buNone/>
+            </a:pPr>
+            <a:endParaRPr b="0" lang="pt-BR" sz="4400" spc="-1" strike="noStrike">
+              <a:latin typeface="Arial"/>
+            </a:endParaRPr>
+          </a:p>
+        </p:txBody>
+      </p:sp>
+      <p:sp>
+        <p:nvSpPr>
+          <p:cNvPr id="2" name="PlaceHolder 2"/>
           <p:cNvSpPr>
             <a:spLocks noGrp="1"/>
           </p:cNvSpPr>
@@ -1899,13 +1807,19 @@
           <a:prstGeom prst="rect">
             <a:avLst/>
           </a:prstGeom>
+          <a:noFill/>
+          <a:ln w="0">
+            <a:noFill/>
+          </a:ln>
         </p:spPr>
         <p:txBody>
           <a:bodyPr lIns="0" rIns="0" tIns="0" bIns="0" anchor="ctr">
             <a:noAutofit/>
           </a:bodyPr>
           <a:p>
-            <a:pPr algn="ctr"/>
+            <a:pPr algn="ctr">
+              <a:buNone/>
+            </a:pPr>
             <a:endParaRPr b="0" lang="pt-BR" sz="3200" spc="-1" strike="noStrike">
               <a:latin typeface="Arial"/>
             </a:endParaRPr>
@@ -1936,7 +1850,7 @@
       </p:grpSpPr>
       <p:sp>
         <p:nvSpPr>
-          <p:cNvPr id="7" name="PlaceHolder 1"/>
+          <p:cNvPr id="3" name="PlaceHolder 1"/>
           <p:cNvSpPr>
             <a:spLocks noGrp="1"/>
           </p:cNvSpPr>
@@ -1947,34 +1861,38 @@
         <p:spPr>
           <a:xfrm>
             <a:off x="685800" y="2130480"/>
-            <a:ext cx="7772040" cy="1469520"/>
-          </a:xfrm>
-          <a:prstGeom prst="rect">
-            <a:avLst/>
-          </a:prstGeom>
+            <a:ext cx="7771680" cy="1469160"/>
+          </a:xfrm>
+          <a:prstGeom prst="rect">
+            <a:avLst/>
+          </a:prstGeom>
+          <a:noFill/>
+          <a:ln w="0">
+            <a:noFill/>
+          </a:ln>
         </p:spPr>
         <p:txBody>
           <a:bodyPr lIns="0" rIns="0" tIns="0" bIns="0" anchor="ctr">
             <a:noAutofit/>
           </a:bodyPr>
           <a:p>
-            <a:endParaRPr b="0" lang="pt-BR" sz="1800" spc="-1" strike="noStrike">
-              <a:solidFill>
-                <a:srgbClr val="000000"/>
-              </a:solidFill>
-              <a:latin typeface="Calibri"/>
-            </a:endParaRPr>
-          </a:p>
-        </p:txBody>
-      </p:sp>
-      <p:sp>
-        <p:nvSpPr>
-          <p:cNvPr id="8" name="PlaceHolder 2"/>
-          <p:cNvSpPr>
-            <a:spLocks noGrp="1"/>
-          </p:cNvSpPr>
-          <p:nvPr>
-            <p:ph type="body"/>
+            <a:pPr algn="ctr">
+              <a:buNone/>
+            </a:pPr>
+            <a:endParaRPr b="0" lang="pt-BR" sz="4400" spc="-1" strike="noStrike">
+              <a:latin typeface="Arial"/>
+            </a:endParaRPr>
+          </a:p>
+        </p:txBody>
+      </p:sp>
+      <p:sp>
+        <p:nvSpPr>
+          <p:cNvPr id="4" name="PlaceHolder 2"/>
+          <p:cNvSpPr>
+            <a:spLocks noGrp="1"/>
+          </p:cNvSpPr>
+          <p:nvPr>
+            <p:ph/>
           </p:nvPr>
         </p:nvSpPr>
         <p:spPr>
@@ -1985,17 +1903,18 @@
           <a:prstGeom prst="rect">
             <a:avLst/>
           </a:prstGeom>
-        </p:spPr>
-        <p:txBody>
-          <a:bodyPr lIns="0" rIns="0" tIns="0" bIns="0">
+          <a:noFill/>
+          <a:ln w="0">
+            <a:noFill/>
+          </a:ln>
+        </p:spPr>
+        <p:txBody>
+          <a:bodyPr lIns="0" rIns="0" tIns="0" bIns="0" anchor="t">
             <a:normAutofit/>
           </a:bodyPr>
           <a:p>
             <a:endParaRPr b="0" lang="pt-BR" sz="3200" spc="-1" strike="noStrike">
-              <a:solidFill>
-                <a:srgbClr val="000000"/>
-              </a:solidFill>
-              <a:latin typeface="Calibri"/>
+              <a:latin typeface="Arial"/>
             </a:endParaRPr>
           </a:p>
         </p:txBody>
@@ -2024,7 +1943,7 @@
       </p:grpSpPr>
       <p:sp>
         <p:nvSpPr>
-          <p:cNvPr id="9" name="PlaceHolder 1"/>
+          <p:cNvPr id="5" name="PlaceHolder 1"/>
           <p:cNvSpPr>
             <a:spLocks noGrp="1"/>
           </p:cNvSpPr>
@@ -2035,34 +1954,38 @@
         <p:spPr>
           <a:xfrm>
             <a:off x="685800" y="2130480"/>
-            <a:ext cx="7772040" cy="1469520"/>
-          </a:xfrm>
-          <a:prstGeom prst="rect">
-            <a:avLst/>
-          </a:prstGeom>
+            <a:ext cx="7771680" cy="1469160"/>
+          </a:xfrm>
+          <a:prstGeom prst="rect">
+            <a:avLst/>
+          </a:prstGeom>
+          <a:noFill/>
+          <a:ln w="0">
+            <a:noFill/>
+          </a:ln>
         </p:spPr>
         <p:txBody>
           <a:bodyPr lIns="0" rIns="0" tIns="0" bIns="0" anchor="ctr">
             <a:noAutofit/>
           </a:bodyPr>
           <a:p>
-            <a:endParaRPr b="0" lang="pt-BR" sz="1800" spc="-1" strike="noStrike">
-              <a:solidFill>
-                <a:srgbClr val="000000"/>
-              </a:solidFill>
-              <a:latin typeface="Calibri"/>
-            </a:endParaRPr>
-          </a:p>
-        </p:txBody>
-      </p:sp>
-      <p:sp>
-        <p:nvSpPr>
-          <p:cNvPr id="10" name="PlaceHolder 2"/>
-          <p:cNvSpPr>
-            <a:spLocks noGrp="1"/>
-          </p:cNvSpPr>
-          <p:nvPr>
-            <p:ph type="body"/>
+            <a:pPr algn="ctr">
+              <a:buNone/>
+            </a:pPr>
+            <a:endParaRPr b="0" lang="pt-BR" sz="4400" spc="-1" strike="noStrike">
+              <a:latin typeface="Arial"/>
+            </a:endParaRPr>
+          </a:p>
+        </p:txBody>
+      </p:sp>
+      <p:sp>
+        <p:nvSpPr>
+          <p:cNvPr id="6" name="PlaceHolder 2"/>
+          <p:cNvSpPr>
+            <a:spLocks noGrp="1"/>
+          </p:cNvSpPr>
+          <p:nvPr>
+            <p:ph/>
           </p:nvPr>
         </p:nvSpPr>
         <p:spPr>
@@ -2073,29 +1996,30 @@
           <a:prstGeom prst="rect">
             <a:avLst/>
           </a:prstGeom>
-        </p:spPr>
-        <p:txBody>
-          <a:bodyPr lIns="0" rIns="0" tIns="0" bIns="0">
+          <a:noFill/>
+          <a:ln w="0">
+            <a:noFill/>
+          </a:ln>
+        </p:spPr>
+        <p:txBody>
+          <a:bodyPr lIns="0" rIns="0" tIns="0" bIns="0" anchor="t">
             <a:normAutofit/>
           </a:bodyPr>
           <a:p>
             <a:endParaRPr b="0" lang="pt-BR" sz="3200" spc="-1" strike="noStrike">
-              <a:solidFill>
-                <a:srgbClr val="000000"/>
-              </a:solidFill>
-              <a:latin typeface="Calibri"/>
-            </a:endParaRPr>
-          </a:p>
-        </p:txBody>
-      </p:sp>
-      <p:sp>
-        <p:nvSpPr>
-          <p:cNvPr id="11" name="PlaceHolder 3"/>
-          <p:cNvSpPr>
-            <a:spLocks noGrp="1"/>
-          </p:cNvSpPr>
-          <p:nvPr>
-            <p:ph type="body"/>
+              <a:latin typeface="Arial"/>
+            </a:endParaRPr>
+          </a:p>
+        </p:txBody>
+      </p:sp>
+      <p:sp>
+        <p:nvSpPr>
+          <p:cNvPr id="7" name="PlaceHolder 3"/>
+          <p:cNvSpPr>
+            <a:spLocks noGrp="1"/>
+          </p:cNvSpPr>
+          <p:nvPr>
+            <p:ph/>
           </p:nvPr>
         </p:nvSpPr>
         <p:spPr>
@@ -2106,17 +2030,18 @@
           <a:prstGeom prst="rect">
             <a:avLst/>
           </a:prstGeom>
-        </p:spPr>
-        <p:txBody>
-          <a:bodyPr lIns="0" rIns="0" tIns="0" bIns="0">
+          <a:noFill/>
+          <a:ln w="0">
+            <a:noFill/>
+          </a:ln>
+        </p:spPr>
+        <p:txBody>
+          <a:bodyPr lIns="0" rIns="0" tIns="0" bIns="0" anchor="t">
             <a:normAutofit/>
           </a:bodyPr>
           <a:p>
             <a:endParaRPr b="0" lang="pt-BR" sz="3200" spc="-1" strike="noStrike">
-              <a:solidFill>
-                <a:srgbClr val="000000"/>
-              </a:solidFill>
-              <a:latin typeface="Calibri"/>
+              <a:latin typeface="Arial"/>
             </a:endParaRPr>
           </a:p>
         </p:txBody>
@@ -2145,7 +2070,7 @@
       </p:grpSpPr>
       <p:sp>
         <p:nvSpPr>
-          <p:cNvPr id="12" name="PlaceHolder 1"/>
+          <p:cNvPr id="8" name="PlaceHolder 1"/>
           <p:cNvSpPr>
             <a:spLocks noGrp="1"/>
           </p:cNvSpPr>
@@ -2156,22 +2081,26 @@
         <p:spPr>
           <a:xfrm>
             <a:off x="685800" y="2130480"/>
-            <a:ext cx="7772040" cy="1469520"/>
-          </a:xfrm>
-          <a:prstGeom prst="rect">
-            <a:avLst/>
-          </a:prstGeom>
+            <a:ext cx="7771680" cy="1469160"/>
+          </a:xfrm>
+          <a:prstGeom prst="rect">
+            <a:avLst/>
+          </a:prstGeom>
+          <a:noFill/>
+          <a:ln w="0">
+            <a:noFill/>
+          </a:ln>
         </p:spPr>
         <p:txBody>
           <a:bodyPr lIns="0" rIns="0" tIns="0" bIns="0" anchor="ctr">
             <a:noAutofit/>
           </a:bodyPr>
           <a:p>
-            <a:endParaRPr b="0" lang="pt-BR" sz="1800" spc="-1" strike="noStrike">
-              <a:solidFill>
-                <a:srgbClr val="000000"/>
-              </a:solidFill>
-              <a:latin typeface="Calibri"/>
+            <a:pPr algn="ctr">
+              <a:buNone/>
+            </a:pPr>
+            <a:endParaRPr b="0" lang="pt-BR" sz="4400" spc="-1" strike="noStrike">
+              <a:latin typeface="Arial"/>
             </a:endParaRPr>
           </a:p>
         </p:txBody>
@@ -2200,7 +2129,7 @@
       </p:grpSpPr>
       <p:sp>
         <p:nvSpPr>
-          <p:cNvPr id="13" name="PlaceHolder 1"/>
+          <p:cNvPr id="9" name="PlaceHolder 1"/>
           <p:cNvSpPr>
             <a:spLocks noGrp="1"/>
           </p:cNvSpPr>
@@ -2211,18 +2140,24 @@
         <p:spPr>
           <a:xfrm>
             <a:off x="685800" y="2130480"/>
-            <a:ext cx="7772040" cy="6813000"/>
-          </a:xfrm>
-          <a:prstGeom prst="rect">
-            <a:avLst/>
-          </a:prstGeom>
+            <a:ext cx="7771680" cy="6811560"/>
+          </a:xfrm>
+          <a:prstGeom prst="rect">
+            <a:avLst/>
+          </a:prstGeom>
+          <a:noFill/>
+          <a:ln w="0">
+            <a:noFill/>
+          </a:ln>
         </p:spPr>
         <p:txBody>
           <a:bodyPr lIns="0" rIns="0" tIns="0" bIns="0" anchor="ctr">
             <a:noAutofit/>
           </a:bodyPr>
           <a:p>
-            <a:pPr algn="ctr"/>
+            <a:pPr algn="ctr">
+              <a:buNone/>
+            </a:pPr>
             <a:endParaRPr b="0" lang="pt-BR" sz="3200" spc="-1" strike="noStrike">
               <a:latin typeface="Arial"/>
             </a:endParaRPr>
@@ -2253,7 +2188,7 @@
       </p:grpSpPr>
       <p:sp>
         <p:nvSpPr>
-          <p:cNvPr id="14" name="PlaceHolder 1"/>
+          <p:cNvPr id="10" name="PlaceHolder 1"/>
           <p:cNvSpPr>
             <a:spLocks noGrp="1"/>
           </p:cNvSpPr>
@@ -2264,34 +2199,38 @@
         <p:spPr>
           <a:xfrm>
             <a:off x="685800" y="2130480"/>
-            <a:ext cx="7772040" cy="1469520"/>
-          </a:xfrm>
-          <a:prstGeom prst="rect">
-            <a:avLst/>
-          </a:prstGeom>
+            <a:ext cx="7771680" cy="1469160"/>
+          </a:xfrm>
+          <a:prstGeom prst="rect">
+            <a:avLst/>
+          </a:prstGeom>
+          <a:noFill/>
+          <a:ln w="0">
+            <a:noFill/>
+          </a:ln>
         </p:spPr>
         <p:txBody>
           <a:bodyPr lIns="0" rIns="0" tIns="0" bIns="0" anchor="ctr">
             <a:noAutofit/>
           </a:bodyPr>
           <a:p>
-            <a:endParaRPr b="0" lang="pt-BR" sz="1800" spc="-1" strike="noStrike">
-              <a:solidFill>
-                <a:srgbClr val="000000"/>
-              </a:solidFill>
-              <a:latin typeface="Calibri"/>
-            </a:endParaRPr>
-          </a:p>
-        </p:txBody>
-      </p:sp>
-      <p:sp>
-        <p:nvSpPr>
-          <p:cNvPr id="15" name="PlaceHolder 2"/>
-          <p:cNvSpPr>
-            <a:spLocks noGrp="1"/>
-          </p:cNvSpPr>
-          <p:nvPr>
-            <p:ph type="body"/>
+            <a:pPr algn="ctr">
+              <a:buNone/>
+            </a:pPr>
+            <a:endParaRPr b="0" lang="pt-BR" sz="4400" spc="-1" strike="noStrike">
+              <a:latin typeface="Arial"/>
+            </a:endParaRPr>
+          </a:p>
+        </p:txBody>
+      </p:sp>
+      <p:sp>
+        <p:nvSpPr>
+          <p:cNvPr id="11" name="PlaceHolder 2"/>
+          <p:cNvSpPr>
+            <a:spLocks noGrp="1"/>
+          </p:cNvSpPr>
+          <p:nvPr>
+            <p:ph/>
           </p:nvPr>
         </p:nvSpPr>
         <p:spPr>
@@ -2302,29 +2241,30 @@
           <a:prstGeom prst="rect">
             <a:avLst/>
           </a:prstGeom>
-        </p:spPr>
-        <p:txBody>
-          <a:bodyPr lIns="0" rIns="0" tIns="0" bIns="0">
+          <a:noFill/>
+          <a:ln w="0">
+            <a:noFill/>
+          </a:ln>
+        </p:spPr>
+        <p:txBody>
+          <a:bodyPr lIns="0" rIns="0" tIns="0" bIns="0" anchor="t">
             <a:normAutofit/>
           </a:bodyPr>
           <a:p>
             <a:endParaRPr b="0" lang="pt-BR" sz="3200" spc="-1" strike="noStrike">
-              <a:solidFill>
-                <a:srgbClr val="000000"/>
-              </a:solidFill>
-              <a:latin typeface="Calibri"/>
-            </a:endParaRPr>
-          </a:p>
-        </p:txBody>
-      </p:sp>
-      <p:sp>
-        <p:nvSpPr>
-          <p:cNvPr id="16" name="PlaceHolder 3"/>
-          <p:cNvSpPr>
-            <a:spLocks noGrp="1"/>
-          </p:cNvSpPr>
-          <p:nvPr>
-            <p:ph type="body"/>
+              <a:latin typeface="Arial"/>
+            </a:endParaRPr>
+          </a:p>
+        </p:txBody>
+      </p:sp>
+      <p:sp>
+        <p:nvSpPr>
+          <p:cNvPr id="12" name="PlaceHolder 3"/>
+          <p:cNvSpPr>
+            <a:spLocks noGrp="1"/>
+          </p:cNvSpPr>
+          <p:nvPr>
+            <p:ph/>
           </p:nvPr>
         </p:nvSpPr>
         <p:spPr>
@@ -2335,29 +2275,30 @@
           <a:prstGeom prst="rect">
             <a:avLst/>
           </a:prstGeom>
-        </p:spPr>
-        <p:txBody>
-          <a:bodyPr lIns="0" rIns="0" tIns="0" bIns="0">
+          <a:noFill/>
+          <a:ln w="0">
+            <a:noFill/>
+          </a:ln>
+        </p:spPr>
+        <p:txBody>
+          <a:bodyPr lIns="0" rIns="0" tIns="0" bIns="0" anchor="t">
             <a:normAutofit/>
           </a:bodyPr>
           <a:p>
             <a:endParaRPr b="0" lang="pt-BR" sz="3200" spc="-1" strike="noStrike">
-              <a:solidFill>
-                <a:srgbClr val="000000"/>
-              </a:solidFill>
-              <a:latin typeface="Calibri"/>
-            </a:endParaRPr>
-          </a:p>
-        </p:txBody>
-      </p:sp>
-      <p:sp>
-        <p:nvSpPr>
-          <p:cNvPr id="17" name="PlaceHolder 4"/>
-          <p:cNvSpPr>
-            <a:spLocks noGrp="1"/>
-          </p:cNvSpPr>
-          <p:nvPr>
-            <p:ph type="body"/>
+              <a:latin typeface="Arial"/>
+            </a:endParaRPr>
+          </a:p>
+        </p:txBody>
+      </p:sp>
+      <p:sp>
+        <p:nvSpPr>
+          <p:cNvPr id="13" name="PlaceHolder 4"/>
+          <p:cNvSpPr>
+            <a:spLocks noGrp="1"/>
+          </p:cNvSpPr>
+          <p:nvPr>
+            <p:ph/>
           </p:nvPr>
         </p:nvSpPr>
         <p:spPr>
@@ -2368,17 +2309,18 @@
           <a:prstGeom prst="rect">
             <a:avLst/>
           </a:prstGeom>
-        </p:spPr>
-        <p:txBody>
-          <a:bodyPr lIns="0" rIns="0" tIns="0" bIns="0">
+          <a:noFill/>
+          <a:ln w="0">
+            <a:noFill/>
+          </a:ln>
+        </p:spPr>
+        <p:txBody>
+          <a:bodyPr lIns="0" rIns="0" tIns="0" bIns="0" anchor="t">
             <a:normAutofit/>
           </a:bodyPr>
           <a:p>
             <a:endParaRPr b="0" lang="pt-BR" sz="3200" spc="-1" strike="noStrike">
-              <a:solidFill>
-                <a:srgbClr val="000000"/>
-              </a:solidFill>
-              <a:latin typeface="Calibri"/>
+              <a:latin typeface="Arial"/>
             </a:endParaRPr>
           </a:p>
         </p:txBody>
@@ -2407,7 +2349,7 @@
       </p:grpSpPr>
       <p:sp>
         <p:nvSpPr>
-          <p:cNvPr id="18" name="PlaceHolder 1"/>
+          <p:cNvPr id="14" name="PlaceHolder 1"/>
           <p:cNvSpPr>
             <a:spLocks noGrp="1"/>
           </p:cNvSpPr>
@@ -2418,34 +2360,38 @@
         <p:spPr>
           <a:xfrm>
             <a:off x="685800" y="2130480"/>
-            <a:ext cx="7772040" cy="1469520"/>
-          </a:xfrm>
-          <a:prstGeom prst="rect">
-            <a:avLst/>
-          </a:prstGeom>
+            <a:ext cx="7771680" cy="1469160"/>
+          </a:xfrm>
+          <a:prstGeom prst="rect">
+            <a:avLst/>
+          </a:prstGeom>
+          <a:noFill/>
+          <a:ln w="0">
+            <a:noFill/>
+          </a:ln>
         </p:spPr>
         <p:txBody>
           <a:bodyPr lIns="0" rIns="0" tIns="0" bIns="0" anchor="ctr">
             <a:noAutofit/>
           </a:bodyPr>
           <a:p>
-            <a:endParaRPr b="0" lang="pt-BR" sz="1800" spc="-1" strike="noStrike">
-              <a:solidFill>
-                <a:srgbClr val="000000"/>
-              </a:solidFill>
-              <a:latin typeface="Calibri"/>
-            </a:endParaRPr>
-          </a:p>
-        </p:txBody>
-      </p:sp>
-      <p:sp>
-        <p:nvSpPr>
-          <p:cNvPr id="19" name="PlaceHolder 2"/>
-          <p:cNvSpPr>
-            <a:spLocks noGrp="1"/>
-          </p:cNvSpPr>
-          <p:nvPr>
-            <p:ph type="body"/>
+            <a:pPr algn="ctr">
+              <a:buNone/>
+            </a:pPr>
+            <a:endParaRPr b="0" lang="pt-BR" sz="4400" spc="-1" strike="noStrike">
+              <a:latin typeface="Arial"/>
+            </a:endParaRPr>
+          </a:p>
+        </p:txBody>
+      </p:sp>
+      <p:sp>
+        <p:nvSpPr>
+          <p:cNvPr id="15" name="PlaceHolder 2"/>
+          <p:cNvSpPr>
+            <a:spLocks noGrp="1"/>
+          </p:cNvSpPr>
+          <p:nvPr>
+            <p:ph/>
           </p:nvPr>
         </p:nvSpPr>
         <p:spPr>
@@ -2456,29 +2402,30 @@
           <a:prstGeom prst="rect">
             <a:avLst/>
           </a:prstGeom>
-        </p:spPr>
-        <p:txBody>
-          <a:bodyPr lIns="0" rIns="0" tIns="0" bIns="0">
+          <a:noFill/>
+          <a:ln w="0">
+            <a:noFill/>
+          </a:ln>
+        </p:spPr>
+        <p:txBody>
+          <a:bodyPr lIns="0" rIns="0" tIns="0" bIns="0" anchor="t">
             <a:normAutofit/>
           </a:bodyPr>
           <a:p>
             <a:endParaRPr b="0" lang="pt-BR" sz="3200" spc="-1" strike="noStrike">
-              <a:solidFill>
-                <a:srgbClr val="000000"/>
-              </a:solidFill>
-              <a:latin typeface="Calibri"/>
-            </a:endParaRPr>
-          </a:p>
-        </p:txBody>
-      </p:sp>
-      <p:sp>
-        <p:nvSpPr>
-          <p:cNvPr id="20" name="PlaceHolder 3"/>
-          <p:cNvSpPr>
-            <a:spLocks noGrp="1"/>
-          </p:cNvSpPr>
-          <p:nvPr>
-            <p:ph type="body"/>
+              <a:latin typeface="Arial"/>
+            </a:endParaRPr>
+          </a:p>
+        </p:txBody>
+      </p:sp>
+      <p:sp>
+        <p:nvSpPr>
+          <p:cNvPr id="16" name="PlaceHolder 3"/>
+          <p:cNvSpPr>
+            <a:spLocks noGrp="1"/>
+          </p:cNvSpPr>
+          <p:nvPr>
+            <p:ph/>
           </p:nvPr>
         </p:nvSpPr>
         <p:spPr>
@@ -2489,29 +2436,30 @@
           <a:prstGeom prst="rect">
             <a:avLst/>
           </a:prstGeom>
-        </p:spPr>
-        <p:txBody>
-          <a:bodyPr lIns="0" rIns="0" tIns="0" bIns="0">
+          <a:noFill/>
+          <a:ln w="0">
+            <a:noFill/>
+          </a:ln>
+        </p:spPr>
+        <p:txBody>
+          <a:bodyPr lIns="0" rIns="0" tIns="0" bIns="0" anchor="t">
             <a:normAutofit/>
           </a:bodyPr>
           <a:p>
             <a:endParaRPr b="0" lang="pt-BR" sz="3200" spc="-1" strike="noStrike">
-              <a:solidFill>
-                <a:srgbClr val="000000"/>
-              </a:solidFill>
-              <a:latin typeface="Calibri"/>
-            </a:endParaRPr>
-          </a:p>
-        </p:txBody>
-      </p:sp>
-      <p:sp>
-        <p:nvSpPr>
-          <p:cNvPr id="21" name="PlaceHolder 4"/>
-          <p:cNvSpPr>
-            <a:spLocks noGrp="1"/>
-          </p:cNvSpPr>
-          <p:nvPr>
-            <p:ph type="body"/>
+              <a:latin typeface="Arial"/>
+            </a:endParaRPr>
+          </a:p>
+        </p:txBody>
+      </p:sp>
+      <p:sp>
+        <p:nvSpPr>
+          <p:cNvPr id="17" name="PlaceHolder 4"/>
+          <p:cNvSpPr>
+            <a:spLocks noGrp="1"/>
+          </p:cNvSpPr>
+          <p:nvPr>
+            <p:ph/>
           </p:nvPr>
         </p:nvSpPr>
         <p:spPr>
@@ -2522,17 +2470,18 @@
           <a:prstGeom prst="rect">
             <a:avLst/>
           </a:prstGeom>
-        </p:spPr>
-        <p:txBody>
-          <a:bodyPr lIns="0" rIns="0" tIns="0" bIns="0">
+          <a:noFill/>
+          <a:ln w="0">
+            <a:noFill/>
+          </a:ln>
+        </p:spPr>
+        <p:txBody>
+          <a:bodyPr lIns="0" rIns="0" tIns="0" bIns="0" anchor="t">
             <a:normAutofit/>
           </a:bodyPr>
           <a:p>
             <a:endParaRPr b="0" lang="pt-BR" sz="3200" spc="-1" strike="noStrike">
-              <a:solidFill>
-                <a:srgbClr val="000000"/>
-              </a:solidFill>
-              <a:latin typeface="Calibri"/>
+              <a:latin typeface="Arial"/>
             </a:endParaRPr>
           </a:p>
         </p:txBody>
@@ -2561,7 +2510,7 @@
       </p:grpSpPr>
       <p:sp>
         <p:nvSpPr>
-          <p:cNvPr id="22" name="PlaceHolder 1"/>
+          <p:cNvPr id="18" name="PlaceHolder 1"/>
           <p:cNvSpPr>
             <a:spLocks noGrp="1"/>
           </p:cNvSpPr>
@@ -2572,34 +2521,38 @@
         <p:spPr>
           <a:xfrm>
             <a:off x="685800" y="2130480"/>
-            <a:ext cx="7772040" cy="1469520"/>
-          </a:xfrm>
-          <a:prstGeom prst="rect">
-            <a:avLst/>
-          </a:prstGeom>
+            <a:ext cx="7771680" cy="1469160"/>
+          </a:xfrm>
+          <a:prstGeom prst="rect">
+            <a:avLst/>
+          </a:prstGeom>
+          <a:noFill/>
+          <a:ln w="0">
+            <a:noFill/>
+          </a:ln>
         </p:spPr>
         <p:txBody>
           <a:bodyPr lIns="0" rIns="0" tIns="0" bIns="0" anchor="ctr">
             <a:noAutofit/>
           </a:bodyPr>
           <a:p>
-            <a:endParaRPr b="0" lang="pt-BR" sz="1800" spc="-1" strike="noStrike">
-              <a:solidFill>
-                <a:srgbClr val="000000"/>
-              </a:solidFill>
-              <a:latin typeface="Calibri"/>
-            </a:endParaRPr>
-          </a:p>
-        </p:txBody>
-      </p:sp>
-      <p:sp>
-        <p:nvSpPr>
-          <p:cNvPr id="23" name="PlaceHolder 2"/>
-          <p:cNvSpPr>
-            <a:spLocks noGrp="1"/>
-          </p:cNvSpPr>
-          <p:nvPr>
-            <p:ph type="body"/>
+            <a:pPr algn="ctr">
+              <a:buNone/>
+            </a:pPr>
+            <a:endParaRPr b="0" lang="pt-BR" sz="4400" spc="-1" strike="noStrike">
+              <a:latin typeface="Arial"/>
+            </a:endParaRPr>
+          </a:p>
+        </p:txBody>
+      </p:sp>
+      <p:sp>
+        <p:nvSpPr>
+          <p:cNvPr id="19" name="PlaceHolder 2"/>
+          <p:cNvSpPr>
+            <a:spLocks noGrp="1"/>
+          </p:cNvSpPr>
+          <p:nvPr>
+            <p:ph/>
           </p:nvPr>
         </p:nvSpPr>
         <p:spPr>
@@ -2610,29 +2563,30 @@
           <a:prstGeom prst="rect">
             <a:avLst/>
           </a:prstGeom>
-        </p:spPr>
-        <p:txBody>
-          <a:bodyPr lIns="0" rIns="0" tIns="0" bIns="0">
+          <a:noFill/>
+          <a:ln w="0">
+            <a:noFill/>
+          </a:ln>
+        </p:spPr>
+        <p:txBody>
+          <a:bodyPr lIns="0" rIns="0" tIns="0" bIns="0" anchor="t">
             <a:normAutofit/>
           </a:bodyPr>
           <a:p>
             <a:endParaRPr b="0" lang="pt-BR" sz="3200" spc="-1" strike="noStrike">
-              <a:solidFill>
-                <a:srgbClr val="000000"/>
-              </a:solidFill>
-              <a:latin typeface="Calibri"/>
-            </a:endParaRPr>
-          </a:p>
-        </p:txBody>
-      </p:sp>
-      <p:sp>
-        <p:nvSpPr>
-          <p:cNvPr id="24" name="PlaceHolder 3"/>
-          <p:cNvSpPr>
-            <a:spLocks noGrp="1"/>
-          </p:cNvSpPr>
-          <p:nvPr>
-            <p:ph type="body"/>
+              <a:latin typeface="Arial"/>
+            </a:endParaRPr>
+          </a:p>
+        </p:txBody>
+      </p:sp>
+      <p:sp>
+        <p:nvSpPr>
+          <p:cNvPr id="20" name="PlaceHolder 3"/>
+          <p:cNvSpPr>
+            <a:spLocks noGrp="1"/>
+          </p:cNvSpPr>
+          <p:nvPr>
+            <p:ph/>
           </p:nvPr>
         </p:nvSpPr>
         <p:spPr>
@@ -2643,29 +2597,30 @@
           <a:prstGeom prst="rect">
             <a:avLst/>
           </a:prstGeom>
-        </p:spPr>
-        <p:txBody>
-          <a:bodyPr lIns="0" rIns="0" tIns="0" bIns="0">
+          <a:noFill/>
+          <a:ln w="0">
+            <a:noFill/>
+          </a:ln>
+        </p:spPr>
+        <p:txBody>
+          <a:bodyPr lIns="0" rIns="0" tIns="0" bIns="0" anchor="t">
             <a:normAutofit/>
           </a:bodyPr>
           <a:p>
             <a:endParaRPr b="0" lang="pt-BR" sz="3200" spc="-1" strike="noStrike">
-              <a:solidFill>
-                <a:srgbClr val="000000"/>
-              </a:solidFill>
-              <a:latin typeface="Calibri"/>
-            </a:endParaRPr>
-          </a:p>
-        </p:txBody>
-      </p:sp>
-      <p:sp>
-        <p:nvSpPr>
-          <p:cNvPr id="25" name="PlaceHolder 4"/>
-          <p:cNvSpPr>
-            <a:spLocks noGrp="1"/>
-          </p:cNvSpPr>
-          <p:nvPr>
-            <p:ph type="body"/>
+              <a:latin typeface="Arial"/>
+            </a:endParaRPr>
+          </a:p>
+        </p:txBody>
+      </p:sp>
+      <p:sp>
+        <p:nvSpPr>
+          <p:cNvPr id="21" name="PlaceHolder 4"/>
+          <p:cNvSpPr>
+            <a:spLocks noGrp="1"/>
+          </p:cNvSpPr>
+          <p:nvPr>
+            <p:ph/>
           </p:nvPr>
         </p:nvSpPr>
         <p:spPr>
@@ -2676,17 +2631,18 @@
           <a:prstGeom prst="rect">
             <a:avLst/>
           </a:prstGeom>
-        </p:spPr>
-        <p:txBody>
-          <a:bodyPr lIns="0" rIns="0" tIns="0" bIns="0">
+          <a:noFill/>
+          <a:ln w="0">
+            <a:noFill/>
+          </a:ln>
+        </p:spPr>
+        <p:txBody>
+          <a:bodyPr lIns="0" rIns="0" tIns="0" bIns="0" anchor="t">
             <a:normAutofit/>
           </a:bodyPr>
           <a:p>
             <a:endParaRPr b="0" lang="pt-BR" sz="3200" spc="-1" strike="noStrike">
-              <a:solidFill>
-                <a:srgbClr val="000000"/>
-              </a:solidFill>
-              <a:latin typeface="Calibri"/>
+              <a:latin typeface="Arial"/>
             </a:endParaRPr>
           </a:p>
         </p:txBody>
@@ -2733,393 +2689,29 @@
         <p:spPr>
           <a:xfrm>
             <a:off x="685800" y="2130480"/>
-            <a:ext cx="7772040" cy="1469520"/>
-          </a:xfrm>
-          <a:prstGeom prst="rect">
-            <a:avLst/>
-          </a:prstGeom>
-        </p:spPr>
-        <p:txBody>
-          <a:bodyPr anchor="ctr">
+            <a:ext cx="7771680" cy="1469160"/>
+          </a:xfrm>
+          <a:prstGeom prst="rect">
+            <a:avLst/>
+          </a:prstGeom>
+          <a:noFill/>
+          <a:ln w="0">
+            <a:noFill/>
+          </a:ln>
+        </p:spPr>
+        <p:txBody>
+          <a:bodyPr lIns="0" rIns="0" tIns="0" bIns="0" anchor="ctr">
             <a:noAutofit/>
           </a:bodyPr>
           <a:p>
-            <a:pPr algn="ctr">
-              <a:lnSpc>
-                <a:spcPct val="100000"/>
-              </a:lnSpc>
-            </a:pPr>
-            <a:r>
-              <a:rPr b="0" lang="pt-BR" sz="4400" spc="-1" strike="noStrike">
-                <a:solidFill>
-                  <a:srgbClr val="000000"/>
-                </a:solidFill>
-                <a:latin typeface="Calibri"/>
-              </a:rPr>
-              <a:t>Clique para editar o </a:t>
-            </a:r>
-            <a:r>
-              <a:rPr b="0" lang="pt-BR" sz="4400" spc="-1" strike="noStrike">
-                <a:solidFill>
-                  <a:srgbClr val="000000"/>
-                </a:solidFill>
-                <a:latin typeface="Calibri"/>
-              </a:rPr>
-              <a:t>estilo do título </a:t>
-            </a:r>
-            <a:r>
-              <a:rPr b="0" lang="pt-BR" sz="4400" spc="-1" strike="noStrike">
-                <a:solidFill>
-                  <a:srgbClr val="000000"/>
-                </a:solidFill>
-                <a:latin typeface="Calibri"/>
-              </a:rPr>
-              <a:t>mestre</a:t>
-            </a:r>
-            <a:endParaRPr b="0" lang="pt-BR" sz="4400" spc="-1" strike="noStrike">
-              <a:solidFill>
-                <a:srgbClr val="000000"/>
-              </a:solidFill>
-              <a:latin typeface="Calibri"/>
-            </a:endParaRPr>
-          </a:p>
-        </p:txBody>
-      </p:sp>
-      <p:sp>
-        <p:nvSpPr>
-          <p:cNvPr id="1" name="PlaceHolder 2"/>
-          <p:cNvSpPr>
-            <a:spLocks noGrp="1"/>
-          </p:cNvSpPr>
-          <p:nvPr>
-            <p:ph type="dt"/>
-          </p:nvPr>
-        </p:nvSpPr>
-        <p:spPr>
-          <a:xfrm>
-            <a:off x="457200" y="6356520"/>
-            <a:ext cx="2133360" cy="364680"/>
-          </a:xfrm>
-          <a:prstGeom prst="rect">
-            <a:avLst/>
-          </a:prstGeom>
-        </p:spPr>
-        <p:txBody>
-          <a:bodyPr anchor="ctr">
-            <a:noAutofit/>
-          </a:bodyPr>
-          <a:p>
-            <a:pPr>
-              <a:lnSpc>
-                <a:spcPct val="100000"/>
-              </a:lnSpc>
-            </a:pPr>
-            <a:fld id="{81D731DF-8DF9-493A-B8E0-70A941AE39D2}" type="datetime">
-              <a:rPr b="0" lang="pt-BR" sz="1200" spc="-1" strike="noStrike">
-                <a:solidFill>
-                  <a:srgbClr val="8b8b8b"/>
-                </a:solidFill>
-                <a:latin typeface="Calibri"/>
-              </a:rPr>
-              <a:t>07/05/21</a:t>
-            </a:fld>
-            <a:endParaRPr b="0" lang="pt-BR" sz="1200" spc="-1" strike="noStrike">
-              <a:latin typeface="Times New Roman"/>
-            </a:endParaRPr>
-          </a:p>
-        </p:txBody>
-      </p:sp>
-      <p:sp>
-        <p:nvSpPr>
-          <p:cNvPr id="2" name="PlaceHolder 3"/>
-          <p:cNvSpPr>
-            <a:spLocks noGrp="1"/>
-          </p:cNvSpPr>
-          <p:nvPr>
-            <p:ph type="ftr"/>
-          </p:nvPr>
-        </p:nvSpPr>
-        <p:spPr>
-          <a:xfrm>
-            <a:off x="3124080" y="6356520"/>
-            <a:ext cx="2895120" cy="364680"/>
-          </a:xfrm>
-          <a:prstGeom prst="rect">
-            <a:avLst/>
-          </a:prstGeom>
-        </p:spPr>
-        <p:txBody>
-          <a:bodyPr anchor="ctr">
-            <a:noAutofit/>
-          </a:bodyPr>
-          <a:p>
-            <a:endParaRPr b="0" lang="pt-BR" sz="2400" spc="-1" strike="noStrike">
-              <a:latin typeface="Times New Roman"/>
-            </a:endParaRPr>
-          </a:p>
-        </p:txBody>
-      </p:sp>
-      <p:sp>
-        <p:nvSpPr>
-          <p:cNvPr id="3" name="PlaceHolder 4"/>
-          <p:cNvSpPr>
-            <a:spLocks noGrp="1"/>
-          </p:cNvSpPr>
-          <p:nvPr>
-            <p:ph type="sldNum"/>
-          </p:nvPr>
-        </p:nvSpPr>
-        <p:spPr>
-          <a:xfrm>
-            <a:off x="6553080" y="6356520"/>
-            <a:ext cx="2133360" cy="364680"/>
-          </a:xfrm>
-          <a:prstGeom prst="rect">
-            <a:avLst/>
-          </a:prstGeom>
-        </p:spPr>
-        <p:txBody>
-          <a:bodyPr anchor="ctr">
-            <a:noAutofit/>
-          </a:bodyPr>
-          <a:p>
-            <a:pPr algn="r">
-              <a:lnSpc>
-                <a:spcPct val="100000"/>
-              </a:lnSpc>
-            </a:pPr>
-            <a:fld id="{06709EFA-19C7-4568-8469-854D96754725}" type="slidenum">
-              <a:rPr b="0" lang="pt-BR" sz="1200" spc="-1" strike="noStrike">
-                <a:solidFill>
-                  <a:srgbClr val="8b8b8b"/>
-                </a:solidFill>
-                <a:latin typeface="Calibri"/>
-              </a:rPr>
-              <a:t>&lt;número&gt;</a:t>
-            </a:fld>
-            <a:endParaRPr b="0" lang="pt-BR" sz="1200" spc="-1" strike="noStrike">
-              <a:latin typeface="Times New Roman"/>
-            </a:endParaRPr>
-          </a:p>
-        </p:txBody>
-      </p:sp>
-      <p:sp>
-        <p:nvSpPr>
-          <p:cNvPr id="4" name="PlaceHolder 5"/>
-          <p:cNvSpPr>
-            <a:spLocks noGrp="1"/>
-          </p:cNvSpPr>
-          <p:nvPr>
-            <p:ph type="body"/>
-          </p:nvPr>
-        </p:nvSpPr>
-        <p:spPr>
-          <a:xfrm>
-            <a:off x="457200" y="1604520"/>
-            <a:ext cx="8229240" cy="3977280"/>
-          </a:xfrm>
-          <a:prstGeom prst="rect">
-            <a:avLst/>
-          </a:prstGeom>
-        </p:spPr>
-        <p:txBody>
-          <a:bodyPr lIns="0" rIns="0" tIns="0" bIns="0">
-            <a:normAutofit/>
-          </a:bodyPr>
-          <a:p>
-            <a:pPr marL="432000" indent="-324000">
-              <a:spcBef>
-                <a:spcPts val="1417"/>
-              </a:spcBef>
-              <a:buClr>
-                <a:srgbClr val="000000"/>
-              </a:buClr>
-              <a:buSzPct val="45000"/>
-              <a:buFont typeface="Wingdings" charset="2"/>
-              <a:buChar char=""/>
-            </a:pPr>
-            <a:r>
-              <a:rPr b="0" lang="pt-BR" sz="3200" spc="-1" strike="noStrike">
-                <a:solidFill>
-                  <a:srgbClr val="000000"/>
-                </a:solidFill>
-                <a:latin typeface="Calibri"/>
-              </a:rPr>
-              <a:t>Clique para editar o formato do texto da estrutura de tópicos</a:t>
-            </a:r>
-            <a:endParaRPr b="0" lang="pt-BR" sz="3200" spc="-1" strike="noStrike">
-              <a:solidFill>
-                <a:srgbClr val="000000"/>
-              </a:solidFill>
-              <a:latin typeface="Calibri"/>
-            </a:endParaRPr>
-          </a:p>
-          <a:p>
-            <a:pPr lvl="1" marL="864000" indent="-324000">
-              <a:spcBef>
-                <a:spcPts val="1134"/>
-              </a:spcBef>
-              <a:buClr>
-                <a:srgbClr val="000000"/>
-              </a:buClr>
-              <a:buSzPct val="75000"/>
-              <a:buFont typeface="Symbol" charset="2"/>
-              <a:buChar char=""/>
-            </a:pPr>
-            <a:r>
-              <a:rPr b="0" lang="pt-BR" sz="2400" spc="-1" strike="noStrike">
-                <a:solidFill>
-                  <a:srgbClr val="000000"/>
-                </a:solidFill>
-                <a:latin typeface="Calibri"/>
-              </a:rPr>
-              <a:t>2.º nível da estrutura de tópicos</a:t>
-            </a:r>
-            <a:endParaRPr b="0" lang="pt-BR" sz="2400" spc="-1" strike="noStrike">
-              <a:solidFill>
-                <a:srgbClr val="000000"/>
-              </a:solidFill>
-              <a:latin typeface="Calibri"/>
-            </a:endParaRPr>
-          </a:p>
-          <a:p>
-            <a:pPr lvl="2" marL="1296000" indent="-288000">
-              <a:spcBef>
-                <a:spcPts val="850"/>
-              </a:spcBef>
-              <a:buClr>
-                <a:srgbClr val="000000"/>
-              </a:buClr>
-              <a:buSzPct val="45000"/>
-              <a:buFont typeface="Wingdings" charset="2"/>
-              <a:buChar char=""/>
-            </a:pPr>
-            <a:r>
-              <a:rPr b="0" lang="pt-BR" sz="2000" spc="-1" strike="noStrike">
-                <a:solidFill>
-                  <a:srgbClr val="000000"/>
-                </a:solidFill>
-                <a:latin typeface="Calibri"/>
-              </a:rPr>
-              <a:t>3.º nível da estrutura de tópicos</a:t>
-            </a:r>
-            <a:endParaRPr b="0" lang="pt-BR" sz="2000" spc="-1" strike="noStrike">
-              <a:solidFill>
-                <a:srgbClr val="000000"/>
-              </a:solidFill>
-              <a:latin typeface="Calibri"/>
-            </a:endParaRPr>
-          </a:p>
-          <a:p>
-            <a:pPr lvl="3" marL="1728000" indent="-216000">
-              <a:spcBef>
-                <a:spcPts val="567"/>
-              </a:spcBef>
-              <a:buClr>
-                <a:srgbClr val="000000"/>
-              </a:buClr>
-              <a:buSzPct val="75000"/>
-              <a:buFont typeface="Symbol" charset="2"/>
-              <a:buChar char=""/>
-            </a:pPr>
-            <a:r>
-              <a:rPr b="0" lang="pt-BR" sz="2000" spc="-1" strike="noStrike">
-                <a:solidFill>
-                  <a:srgbClr val="000000"/>
-                </a:solidFill>
-                <a:latin typeface="Calibri"/>
-              </a:rPr>
-              <a:t>4.º nível da estrutura de tópicos</a:t>
-            </a:r>
-            <a:endParaRPr b="0" lang="pt-BR" sz="2000" spc="-1" strike="noStrike">
-              <a:solidFill>
-                <a:srgbClr val="000000"/>
-              </a:solidFill>
-              <a:latin typeface="Calibri"/>
-            </a:endParaRPr>
-          </a:p>
-          <a:p>
-            <a:pPr lvl="4" marL="2160000" indent="-216000">
-              <a:spcBef>
-                <a:spcPts val="283"/>
-              </a:spcBef>
-              <a:buClr>
-                <a:srgbClr val="000000"/>
-              </a:buClr>
-              <a:buSzPct val="45000"/>
-              <a:buFont typeface="Wingdings" charset="2"/>
-              <a:buChar char=""/>
-            </a:pPr>
-            <a:r>
-              <a:rPr b="0" lang="pt-BR" sz="2000" spc="-1" strike="noStrike">
-                <a:solidFill>
-                  <a:srgbClr val="000000"/>
-                </a:solidFill>
-                <a:latin typeface="Calibri"/>
-              </a:rPr>
-              <a:t>5.º nível da estrutura de tópicos</a:t>
-            </a:r>
-            <a:endParaRPr b="0" lang="pt-BR" sz="2000" spc="-1" strike="noStrike">
-              <a:solidFill>
-                <a:srgbClr val="000000"/>
-              </a:solidFill>
-              <a:latin typeface="Calibri"/>
-            </a:endParaRPr>
-          </a:p>
-          <a:p>
-            <a:pPr lvl="5" marL="2592000" indent="-216000">
-              <a:spcBef>
-                <a:spcPts val="283"/>
-              </a:spcBef>
-              <a:buClr>
-                <a:srgbClr val="000000"/>
-              </a:buClr>
-              <a:buSzPct val="45000"/>
-              <a:buFont typeface="Wingdings" charset="2"/>
-              <a:buChar char=""/>
-            </a:pPr>
-            <a:r>
-              <a:rPr b="0" lang="pt-BR" sz="2000" spc="-1" strike="noStrike">
-                <a:solidFill>
-                  <a:srgbClr val="000000"/>
-                </a:solidFill>
-                <a:latin typeface="Calibri"/>
-              </a:rPr>
-              <a:t>6.º nível da estrutura de tópicos</a:t>
-            </a:r>
-            <a:endParaRPr b="0" lang="pt-BR" sz="2000" spc="-1" strike="noStrike">
-              <a:solidFill>
-                <a:srgbClr val="000000"/>
-              </a:solidFill>
-              <a:latin typeface="Calibri"/>
-            </a:endParaRPr>
-          </a:p>
-          <a:p>
-            <a:pPr lvl="6" marL="3024000" indent="-216000">
-              <a:spcBef>
-                <a:spcPts val="283"/>
-              </a:spcBef>
-              <a:buClr>
-                <a:srgbClr val="000000"/>
-              </a:buClr>
-              <a:buSzPct val="45000"/>
-              <a:buFont typeface="Wingdings" charset="2"/>
-              <a:buChar char=""/>
-            </a:pPr>
-            <a:r>
-              <a:rPr b="0" lang="pt-BR" sz="2000" spc="-1" strike="noStrike">
-                <a:solidFill>
-                  <a:srgbClr val="000000"/>
-                </a:solidFill>
-                <a:latin typeface="Calibri"/>
-              </a:rPr>
-              <a:t>7.º nível da estrutura de tópicos</a:t>
-            </a:r>
-            <a:endParaRPr b="0" lang="pt-BR" sz="2000" spc="-1" strike="noStrike">
-              <a:solidFill>
-                <a:srgbClr val="000000"/>
-              </a:solidFill>
-              <a:latin typeface="Calibri"/>
+            <a:r>
+              <a:rPr b="0" lang="pt-BR" sz="1800" spc="-1" strike="noStrike">
+                <a:latin typeface="Arial"/>
+              </a:rPr>
+              <a:t>Clique para editar o formato do texto do título</a:t>
+            </a:r>
+            <a:endParaRPr b="0" lang="pt-BR" sz="1800" spc="-1" strike="noStrike">
+              <a:latin typeface="Arial"/>
             </a:endParaRPr>
           </a:p>
         </p:txBody>
@@ -3163,27 +2755,33 @@
       </p:grpSpPr>
       <p:sp>
         <p:nvSpPr>
-          <p:cNvPr id="47" name="TextShape 1"/>
-          <p:cNvSpPr txBox="1"/>
+          <p:cNvPr id="43" name="TextShape 1"/>
+          <p:cNvSpPr/>
           <p:nvPr/>
         </p:nvSpPr>
         <p:spPr>
           <a:xfrm>
-            <a:off x="0" y="-214200"/>
-            <a:ext cx="9143640" cy="7071840"/>
+            <a:off x="0" y="1800"/>
+            <a:ext cx="9143280" cy="7071480"/>
           </a:xfrm>
           <a:prstGeom prst="rect">
             <a:avLst/>
           </a:prstGeom>
           <a:solidFill>
-            <a:srgbClr val="000000"/>
+            <a:srgbClr val="2a6099"/>
           </a:solidFill>
-          <a:ln>
-            <a:noFill/>
-          </a:ln>
-        </p:spPr>
-        <p:txBody>
-          <a:bodyPr>
+          <a:ln w="0">
+            <a:noFill/>
+          </a:ln>
+        </p:spPr>
+        <p:style>
+          <a:lnRef idx="0"/>
+          <a:fillRef idx="0"/>
+          <a:effectRef idx="0"/>
+          <a:fontRef idx="minor"/>
+        </p:style>
+        <p:txBody>
+          <a:bodyPr lIns="90000" rIns="90000" tIns="45000" bIns="45000" anchor="t">
             <a:noAutofit/>
           </a:bodyPr>
           <a:p>
@@ -3194,6 +2792,7 @@
               <a:spcBef>
                 <a:spcPts val="561"/>
               </a:spcBef>
+              <a:buNone/>
               <a:tabLst>
                 <a:tab algn="l" pos="0"/>
               </a:tabLst>
@@ -3219,6 +2818,7 @@
               <a:spcBef>
                 <a:spcPts val="561"/>
               </a:spcBef>
+              <a:buNone/>
               <a:tabLst>
                 <a:tab algn="l" pos="0"/>
               </a:tabLst>
@@ -3244,6 +2844,7 @@
               <a:spcBef>
                 <a:spcPts val="561"/>
               </a:spcBef>
+              <a:buNone/>
               <a:tabLst>
                 <a:tab algn="l" pos="0"/>
               </a:tabLst>
@@ -3255,7 +2856,7 @@
                 </a:solidFill>
                 <a:latin typeface="Calibri"/>
               </a:rPr>
-              <a:t>MÃE ME DA SEU COLO MÃE, MULHER QUE ADORO MAE SE EXISTODEVO A TI MEU RESPIRAR MAE TÃO PURO AMOR DE MÃEQUE AS VEZES NÃO ME VEM PALAVRAS PARA EXPRESSAR MAE PRA TI CONJUGO O VERBO AMAR</a:t>
+              <a:t>MÃE ME DA SEU COLO MÃE, MULHER QUE ADORO MAE SE EXISTO DEVO A TI MEU RESPIRAR MAE TÃO PURO AMOR DE MÃE QUE AS VEZES NÃO ME VEM PALAVRAS PARA EXPRESSAR MAE PRA TI CONJUGO O VERBO AMAR</a:t>
             </a:r>
             <a:endParaRPr b="0" lang="pt-BR" sz="2800" spc="-1" strike="noStrike">
               <a:latin typeface="Arial"/>
